--- a/cse465 presentation.pptx
+++ b/cse465 presentation.pptx
@@ -7,7 +7,7 @@
     <p:sldMasterId id="2147483653" r:id="rId3"/>
   </p:sldMasterIdLst>
   <p:notesMasterIdLst>
-    <p:notesMasterId r:id="rId23"/>
+    <p:notesMasterId r:id="rId25"/>
   </p:notesMasterIdLst>
   <p:sldIdLst>
     <p:sldId id="264" r:id="rId4"/>
@@ -15,20 +15,22 @@
     <p:sldId id="279" r:id="rId6"/>
     <p:sldId id="261" r:id="rId7"/>
     <p:sldId id="280" r:id="rId8"/>
-    <p:sldId id="302" r:id="rId9"/>
-    <p:sldId id="284" r:id="rId10"/>
-    <p:sldId id="317" r:id="rId11"/>
-    <p:sldId id="303" r:id="rId12"/>
-    <p:sldId id="313" r:id="rId13"/>
-    <p:sldId id="304" r:id="rId14"/>
-    <p:sldId id="305" r:id="rId15"/>
-    <p:sldId id="306" r:id="rId16"/>
-    <p:sldId id="307" r:id="rId17"/>
-    <p:sldId id="316" r:id="rId18"/>
-    <p:sldId id="308" r:id="rId19"/>
-    <p:sldId id="310" r:id="rId20"/>
-    <p:sldId id="312" r:id="rId21"/>
-    <p:sldId id="262" r:id="rId22"/>
+    <p:sldId id="319" r:id="rId9"/>
+    <p:sldId id="302" r:id="rId10"/>
+    <p:sldId id="318" r:id="rId11"/>
+    <p:sldId id="284" r:id="rId12"/>
+    <p:sldId id="317" r:id="rId13"/>
+    <p:sldId id="303" r:id="rId14"/>
+    <p:sldId id="313" r:id="rId15"/>
+    <p:sldId id="304" r:id="rId16"/>
+    <p:sldId id="305" r:id="rId17"/>
+    <p:sldId id="306" r:id="rId18"/>
+    <p:sldId id="307" r:id="rId19"/>
+    <p:sldId id="316" r:id="rId20"/>
+    <p:sldId id="308" r:id="rId21"/>
+    <p:sldId id="310" r:id="rId22"/>
+    <p:sldId id="312" r:id="rId23"/>
+    <p:sldId id="262" r:id="rId24"/>
   </p:sldIdLst>
   <p:sldSz cx="9144000" cy="5143500" type="screen16x9"/>
   <p:notesSz cx="6858000" cy="9144000"/>
@@ -2201,67 +2203,67 @@
     </dgm:pt>
   </dgm:ptLst>
   <dgm:cxnLst>
+    <dgm:cxn modelId="{127833D0-DABF-4268-B3D1-AC1229C6E529}" type="presOf" srcId="{75FFF0CC-C7BF-4301-9AFF-C19C3B9EF806}" destId="{DE89CCB6-C2D1-47CA-848F-BB5467ADEE16}" srcOrd="0" destOrd="5" presId="urn:microsoft.com/office/officeart/2005/8/layout/hList1"/>
+    <dgm:cxn modelId="{EAA4C7A8-6EAB-443D-A82E-32C6288FC9AE}" type="presOf" srcId="{F9BFFF35-9973-4D07-A10F-085C92AAB457}" destId="{8463E01D-63A4-4DBD-847D-23B4F58A2784}" srcOrd="0" destOrd="0" presId="urn:microsoft.com/office/officeart/2005/8/layout/hList1"/>
+    <dgm:cxn modelId="{3BE5F00A-EBC9-4EF6-9723-4536BE72ACF3}" type="presOf" srcId="{367C15C0-3956-4028-8348-DF44B2E427EC}" destId="{44252B39-D70C-4C9E-8A4B-17E7416C959D}" srcOrd="0" destOrd="3" presId="urn:microsoft.com/office/officeart/2005/8/layout/hList1"/>
+    <dgm:cxn modelId="{489B7F20-2FB1-45AC-BE56-319FBAA38CC3}" type="presOf" srcId="{6AB466DA-5AB0-46B3-8CA7-FD04B79CB66A}" destId="{44252B39-D70C-4C9E-8A4B-17E7416C959D}" srcOrd="0" destOrd="6" presId="urn:microsoft.com/office/officeart/2005/8/layout/hList1"/>
+    <dgm:cxn modelId="{1A4C096E-EFFF-454D-AC5E-8B3476B404FC}" type="presOf" srcId="{9A6B76C4-C952-4BD6-BB09-17DFC9C8417E}" destId="{44252B39-D70C-4C9E-8A4B-17E7416C959D}" srcOrd="0" destOrd="5" presId="urn:microsoft.com/office/officeart/2005/8/layout/hList1"/>
+    <dgm:cxn modelId="{EE09CCDE-E3F8-4AD1-9584-7D717A5F7B3D}" srcId="{F186F80F-F4FB-457A-8896-33C1771BDE1B}" destId="{2858EDAD-2577-464E-A4BD-E4D76A898C38}" srcOrd="2" destOrd="0" parTransId="{F321AC25-A44A-4359-B882-73C25C14D739}" sibTransId="{5724571C-091E-4122-965B-C6E9C0709BEE}"/>
+    <dgm:cxn modelId="{25371B15-D4DA-4A4C-AC25-BA1BDB3B317E}" type="presOf" srcId="{8256FCFD-1BAA-49A1-9895-F80ACB2C844A}" destId="{44252B39-D70C-4C9E-8A4B-17E7416C959D}" srcOrd="0" destOrd="2" presId="urn:microsoft.com/office/officeart/2005/8/layout/hList1"/>
+    <dgm:cxn modelId="{32738C0E-47CA-4C22-9350-8F852736B9A9}" srcId="{F9BFFF35-9973-4D07-A10F-085C92AAB457}" destId="{2688D8EB-9E49-4DC5-9017-445218AD7AB7}" srcOrd="7" destOrd="0" parTransId="{8728E131-208D-4329-A289-4442FB514F62}" sibTransId="{D7411F6C-275A-4641-9EDC-D5F755B25296}"/>
+    <dgm:cxn modelId="{4E41EAF2-B97A-4DA3-98C6-7DF6C1D57C7F}" type="presOf" srcId="{CDC6D30D-7904-4FA8-8F2A-BB23AD32C182}" destId="{7CFF67C4-4879-4D0B-867A-C751E7976001}" srcOrd="0" destOrd="0" presId="urn:microsoft.com/office/officeart/2005/8/layout/hList1"/>
+    <dgm:cxn modelId="{DD9E91DC-DCCC-4207-969A-5EF75D54692A}" type="presOf" srcId="{2858EDAD-2577-464E-A4BD-E4D76A898C38}" destId="{0A41B8A8-D5BC-4EA7-BFF3-5539C6FC6D22}" srcOrd="0" destOrd="2" presId="urn:microsoft.com/office/officeart/2005/8/layout/hList1"/>
+    <dgm:cxn modelId="{2BB2298D-88D6-43F9-A5DA-4697A4C6AF52}" srcId="{F186F80F-F4FB-457A-8896-33C1771BDE1B}" destId="{75A29C5B-C38A-4866-8FD2-35DC991CEFE2}" srcOrd="3" destOrd="0" parTransId="{EBC9BF79-29AF-4B9F-999D-2DC80D3D81CD}" sibTransId="{8EE8297D-8643-41CC-A13E-D5DB807CC4F1}"/>
+    <dgm:cxn modelId="{37507A04-24DF-494F-A2F5-E6689EC57777}" srcId="{F9BFFF35-9973-4D07-A10F-085C92AAB457}" destId="{0DC851E1-2AF7-45F0-BA0E-6DEB1C8D81D8}" srcOrd="0" destOrd="0" parTransId="{3A74280B-69A5-4A75-9718-E4E2A6B09E30}" sibTransId="{05D0F9C3-A082-44D8-824A-0E14AC426F48}"/>
+    <dgm:cxn modelId="{654AA4AF-75C1-47A9-81E8-BFE2DFDE1BD8}" srcId="{D57C8FDB-1C8E-45DD-8F95-EBE4F9C9BE5A}" destId="{E5889452-FE69-484F-B423-2EF278B05FC2}" srcOrd="3" destOrd="0" parTransId="{139022DF-08CC-4CF2-BE83-5E71D0B0B30C}" sibTransId="{712A17BB-E6D8-47D3-A8E0-5197853BB4D6}"/>
+    <dgm:cxn modelId="{B84C186C-B6E4-4515-8021-A8F475915BC5}" srcId="{F9BFFF35-9973-4D07-A10F-085C92AAB457}" destId="{367C15C0-3956-4028-8348-DF44B2E427EC}" srcOrd="3" destOrd="0" parTransId="{D3148CE2-F3AD-4E26-94FF-E4EFFB1CC5A3}" sibTransId="{D22B2541-27DC-409E-8B02-001D010A9172}"/>
+    <dgm:cxn modelId="{41956DB7-D944-4D60-84C7-39AE351A1D01}" srcId="{F9BFFF35-9973-4D07-A10F-085C92AAB457}" destId="{728CF3CC-C553-4A34-A2DB-F3EF21047848}" srcOrd="8" destOrd="0" parTransId="{09FC51B9-668E-4DBC-B803-0BBBAEA95CA5}" sibTransId="{E3DFF56A-A8AE-4CCB-8F9B-D472B291C4D5}"/>
+    <dgm:cxn modelId="{AE806F0B-B13E-4545-886C-E53629E3F117}" type="presOf" srcId="{71570D7F-C2DE-4FBD-961B-B9B7B453C841}" destId="{0A41B8A8-D5BC-4EA7-BFF3-5539C6FC6D22}" srcOrd="0" destOrd="7" presId="urn:microsoft.com/office/officeart/2005/8/layout/hList1"/>
+    <dgm:cxn modelId="{DFECAF6E-00B0-49EC-BAE4-10F6558AC8E1}" type="presOf" srcId="{3A35FE84-FD1F-4F9F-AAA8-D46DF60E5B7E}" destId="{0A41B8A8-D5BC-4EA7-BFF3-5539C6FC6D22}" srcOrd="0" destOrd="8" presId="urn:microsoft.com/office/officeart/2005/8/layout/hList1"/>
+    <dgm:cxn modelId="{C650CAC5-D64E-4F14-8D9B-84AB8F1F91AA}" type="presOf" srcId="{CA6ABB31-E9EF-4E2F-8D96-A133E46C0EBE}" destId="{DE89CCB6-C2D1-47CA-848F-BB5467ADEE16}" srcOrd="0" destOrd="2" presId="urn:microsoft.com/office/officeart/2005/8/layout/hList1"/>
+    <dgm:cxn modelId="{5A3EC392-818A-4D28-94F6-1E56AF96C8CC}" srcId="{F9BFFF35-9973-4D07-A10F-085C92AAB457}" destId="{8256FCFD-1BAA-49A1-9895-F80ACB2C844A}" srcOrd="2" destOrd="0" parTransId="{E866106D-362C-4C44-80B6-27C3A8603FD1}" sibTransId="{79B91BE6-668C-4D1F-8F50-12805EF46833}"/>
+    <dgm:cxn modelId="{4AEF5F14-6154-42A5-B091-1A309A4B7CCF}" srcId="{F186F80F-F4FB-457A-8896-33C1771BDE1B}" destId="{3A35FE84-FD1F-4F9F-AAA8-D46DF60E5B7E}" srcOrd="8" destOrd="0" parTransId="{0F605645-9B98-4F28-9F65-F903F9A32331}" sibTransId="{35C70684-A285-436E-942F-E18016F50C76}"/>
+    <dgm:cxn modelId="{0A5278E4-2342-41FA-9153-A910C429F4B3}" type="presOf" srcId="{2688D8EB-9E49-4DC5-9017-445218AD7AB7}" destId="{44252B39-D70C-4C9E-8A4B-17E7416C959D}" srcOrd="0" destOrd="7" presId="urn:microsoft.com/office/officeart/2005/8/layout/hList1"/>
+    <dgm:cxn modelId="{B946A539-A92D-48AC-9316-83AC8B098BA9}" srcId="{F186F80F-F4FB-457A-8896-33C1771BDE1B}" destId="{3034EBC6-3B94-4082-BE2E-3598D29DA413}" srcOrd="4" destOrd="0" parTransId="{7878FD06-721F-4613-951A-606CEDEA9869}" sibTransId="{0677900A-EADD-4504-82B5-333FACCF5E86}"/>
+    <dgm:cxn modelId="{34089C3D-37E7-4587-BCEE-A9A84AA7BE87}" type="presOf" srcId="{728CF3CC-C553-4A34-A2DB-F3EF21047848}" destId="{44252B39-D70C-4C9E-8A4B-17E7416C959D}" srcOrd="0" destOrd="8" presId="urn:microsoft.com/office/officeart/2005/8/layout/hList1"/>
+    <dgm:cxn modelId="{40D3C4D1-07C9-40CF-8957-48D32B82A5F3}" srcId="{F186F80F-F4FB-457A-8896-33C1771BDE1B}" destId="{6AB4D320-8785-48B2-B5D0-438F97796857}" srcOrd="1" destOrd="0" parTransId="{706A948F-22AF-4346-9A48-606E3A5E899A}" sibTransId="{38B6D992-9B0C-4C0C-8C07-03A5867D84FB}"/>
+    <dgm:cxn modelId="{78415B79-61A5-4133-8162-F86B708ECC94}" srcId="{D57C8FDB-1C8E-45DD-8F95-EBE4F9C9BE5A}" destId="{C591C4FD-E204-4BA2-88B8-F49B1B84DB52}" srcOrd="1" destOrd="0" parTransId="{D78FF0E3-E6B2-4E87-8363-43FE57E85EC2}" sibTransId="{9134605C-E55C-481D-BE52-E04A0A773C1E}"/>
     <dgm:cxn modelId="{C5590062-D21D-46DD-B72B-0D0273BF05FC}" srcId="{CDC6D30D-7904-4FA8-8F2A-BB23AD32C182}" destId="{F186F80F-F4FB-457A-8896-33C1771BDE1B}" srcOrd="1" destOrd="0" parTransId="{D2C480B4-9667-452B-89F2-38AF848FAD4E}" sibTransId="{91D70EBD-7842-43D6-9EBD-10ED469B6392}"/>
     <dgm:cxn modelId="{A317FE71-BA93-459C-8B4A-5E93F07D7636}" type="presOf" srcId="{C591C4FD-E204-4BA2-88B8-F49B1B84DB52}" destId="{DE89CCB6-C2D1-47CA-848F-BB5467ADEE16}" srcOrd="0" destOrd="1" presId="urn:microsoft.com/office/officeart/2005/8/layout/hList1"/>
+    <dgm:cxn modelId="{E9D89A51-139D-4509-8538-25CED9BCCAED}" type="presOf" srcId="{3034EBC6-3B94-4082-BE2E-3598D29DA413}" destId="{0A41B8A8-D5BC-4EA7-BFF3-5539C6FC6D22}" srcOrd="0" destOrd="4" presId="urn:microsoft.com/office/officeart/2005/8/layout/hList1"/>
+    <dgm:cxn modelId="{9E9A6339-A05F-4778-8D2B-E104A5C21914}" srcId="{CDC6D30D-7904-4FA8-8F2A-BB23AD32C182}" destId="{D57C8FDB-1C8E-45DD-8F95-EBE4F9C9BE5A}" srcOrd="0" destOrd="0" parTransId="{151DB227-1366-4273-ADE8-BD207DA25B2B}" sibTransId="{B0AFFFFB-68C9-43FE-8CF5-466EB1EF5B0B}"/>
+    <dgm:cxn modelId="{22CF1846-EAB1-4BF5-8AB0-CDB6DEAED0FF}" srcId="{F186F80F-F4FB-457A-8896-33C1771BDE1B}" destId="{BA3B0A31-1BF1-4F24-B07B-0168C5718EB9}" srcOrd="0" destOrd="0" parTransId="{826E38D3-37F3-43D1-B8B2-6498568B9E3F}" sibTransId="{06BDD23C-C1AA-418E-8792-853220E144A0}"/>
+    <dgm:cxn modelId="{4547BB51-B638-4E6A-ACC4-D6BA8FE37DD3}" srcId="{F9BFFF35-9973-4D07-A10F-085C92AAB457}" destId="{9A6B76C4-C952-4BD6-BB09-17DFC9C8417E}" srcOrd="5" destOrd="0" parTransId="{E4AD53EA-9512-461F-8DCE-142E7EA0F7DC}" sibTransId="{5A28D0D2-B735-457F-AB86-DE99E7D3095D}"/>
+    <dgm:cxn modelId="{B8EFBA77-4DB0-407A-946B-68FD0D4D790D}" type="presOf" srcId="{F186F80F-F4FB-457A-8896-33C1771BDE1B}" destId="{48C75522-E321-4568-B269-7A62E8C0ACF5}" srcOrd="0" destOrd="0" presId="urn:microsoft.com/office/officeart/2005/8/layout/hList1"/>
+    <dgm:cxn modelId="{447BDEF9-106A-425A-B4F7-6C1612144FE8}" type="presOf" srcId="{EB8900FC-75E9-4983-AEB4-B098D34F738C}" destId="{DE89CCB6-C2D1-47CA-848F-BB5467ADEE16}" srcOrd="0" destOrd="0" presId="urn:microsoft.com/office/officeart/2005/8/layout/hList1"/>
+    <dgm:cxn modelId="{58B54033-308D-4DCB-BDD6-580F6C691235}" type="presOf" srcId="{D57C8FDB-1C8E-45DD-8F95-EBE4F9C9BE5A}" destId="{85510D54-D4F5-426A-BB1B-24B32AB51E03}" srcOrd="0" destOrd="0" presId="urn:microsoft.com/office/officeart/2005/8/layout/hList1"/>
+    <dgm:cxn modelId="{338CAFFE-224F-4068-9828-5881D79DD183}" srcId="{D57C8FDB-1C8E-45DD-8F95-EBE4F9C9BE5A}" destId="{75FFF0CC-C7BF-4301-9AFF-C19C3B9EF806}" srcOrd="5" destOrd="0" parTransId="{B9812A98-8211-4862-B05B-8C608F344B84}" sibTransId="{EBB705AC-45F3-469F-A0A7-B60D955369D6}"/>
+    <dgm:cxn modelId="{9A037C98-E6DA-4C39-B909-913C7D8C9DA4}" srcId="{F186F80F-F4FB-457A-8896-33C1771BDE1B}" destId="{16D381A1-3B25-458D-B1D2-FF0E64137EEF}" srcOrd="6" destOrd="0" parTransId="{52190249-BB17-4CD5-AF32-D36EF2674479}" sibTransId="{E2A051D1-C39F-4E7F-ADB2-AB4E2617CD85}"/>
+    <dgm:cxn modelId="{C0CD61E7-96F1-48C6-9AF5-359DB03D7E3A}" srcId="{D57C8FDB-1C8E-45DD-8F95-EBE4F9C9BE5A}" destId="{6082DF69-9D14-4EF9-94DF-DB06AD5C3E1D}" srcOrd="6" destOrd="0" parTransId="{32EC3DE5-53FA-44F5-965F-F6A6A1DBE348}" sibTransId="{105C8532-C306-4FD9-8943-1C70E5E6FA20}"/>
+    <dgm:cxn modelId="{3E084E7A-F0C8-4AA6-90A8-EC6AEAB01B8F}" srcId="{F186F80F-F4FB-457A-8896-33C1771BDE1B}" destId="{71570D7F-C2DE-4FBD-961B-B9B7B453C841}" srcOrd="7" destOrd="0" parTransId="{4E4838E8-E937-444F-845A-1857CB29765E}" sibTransId="{10D8335B-68FF-4DF8-9051-EF65572C14A8}"/>
     <dgm:cxn modelId="{AE29B24E-EF87-4BBF-AF4E-A767B52F2720}" srcId="{D57C8FDB-1C8E-45DD-8F95-EBE4F9C9BE5A}" destId="{EB8900FC-75E9-4983-AEB4-B098D34F738C}" srcOrd="0" destOrd="0" parTransId="{85BDEE8A-213A-4B3E-B59B-47F8D7E87210}" sibTransId="{BE463101-51ED-41B4-ACFA-07165080EF87}"/>
+    <dgm:cxn modelId="{AE05FB76-3BBC-4B00-8FEA-3DA8D9397DB1}" type="presOf" srcId="{6AB4D320-8785-48B2-B5D0-438F97796857}" destId="{0A41B8A8-D5BC-4EA7-BFF3-5539C6FC6D22}" srcOrd="0" destOrd="1" presId="urn:microsoft.com/office/officeart/2005/8/layout/hList1"/>
+    <dgm:cxn modelId="{AB4187C9-FBCE-4534-A486-7B72F68E7A73}" srcId="{F186F80F-F4FB-457A-8896-33C1771BDE1B}" destId="{25232D87-2C54-4241-AFAE-FBBB80640133}" srcOrd="5" destOrd="0" parTransId="{CC09E0E3-77EE-434B-B867-43EFE580F058}" sibTransId="{BF7F690F-F30D-4DC3-9C29-7BBDCD8AE91D}"/>
+    <dgm:cxn modelId="{E96413BF-2406-46A7-8230-8CA16CCF19DC}" srcId="{D57C8FDB-1C8E-45DD-8F95-EBE4F9C9BE5A}" destId="{332E6981-E521-417B-BC96-1063A5855ABA}" srcOrd="7" destOrd="0" parTransId="{D8136CBA-8512-4E45-96A3-51C61955214E}" sibTransId="{8D1E47FB-1E92-42B9-814F-0FE9780F9742}"/>
     <dgm:cxn modelId="{AC15C40E-962D-402E-87E6-AB108960BB52}" srcId="{D57C8FDB-1C8E-45DD-8F95-EBE4F9C9BE5A}" destId="{8684C0F1-E34E-4604-A3C7-21FF8DA101A8}" srcOrd="8" destOrd="0" parTransId="{DB1324DC-B3BC-4F3E-9BE4-12FDCD4BE007}" sibTransId="{F13D134B-B7E0-4642-856F-6DB1E8D3F53A}"/>
+    <dgm:cxn modelId="{F2273CFA-FEC5-407E-87B1-0A7E1D06BA11}" srcId="{F9BFFF35-9973-4D07-A10F-085C92AAB457}" destId="{6AB466DA-5AB0-46B3-8CA7-FD04B79CB66A}" srcOrd="6" destOrd="0" parTransId="{12F41696-7F05-477E-997C-DA23A5A6907F}" sibTransId="{36288616-04C7-46E1-A3A4-3435DA6C7304}"/>
     <dgm:cxn modelId="{AF2708D4-A58B-4A49-88B6-DB5C11AE2398}" srcId="{D57C8FDB-1C8E-45DD-8F95-EBE4F9C9BE5A}" destId="{7A2F63FB-3FF1-4A11-A6B9-7ABDAEF03ECE}" srcOrd="4" destOrd="0" parTransId="{91AAACAA-63FA-4223-99DF-0C7D6FF26B2E}" sibTransId="{4165098C-8766-4BD2-930D-0DC9A9CF5C41}"/>
-    <dgm:cxn modelId="{AB4187C9-FBCE-4534-A486-7B72F68E7A73}" srcId="{F186F80F-F4FB-457A-8896-33C1771BDE1B}" destId="{25232D87-2C54-4241-AFAE-FBBB80640133}" srcOrd="5" destOrd="0" parTransId="{CC09E0E3-77EE-434B-B867-43EFE580F058}" sibTransId="{BF7F690F-F30D-4DC3-9C29-7BBDCD8AE91D}"/>
+    <dgm:cxn modelId="{94E09677-5A88-4164-A408-FDB3FC424732}" srcId="{D57C8FDB-1C8E-45DD-8F95-EBE4F9C9BE5A}" destId="{CA6ABB31-E9EF-4E2F-8D96-A133E46C0EBE}" srcOrd="2" destOrd="0" parTransId="{891674D3-6043-40F1-AFA5-B11076D85E46}" sibTransId="{D41798E6-473B-4235-8EE2-596FE45A196E}"/>
+    <dgm:cxn modelId="{AA30F5E0-65DE-4B27-A1B7-9C12EBC4497E}" type="presOf" srcId="{FC5A248A-28A5-4B1D-97B6-C054098C51C2}" destId="{44252B39-D70C-4C9E-8A4B-17E7416C959D}" srcOrd="0" destOrd="1" presId="urn:microsoft.com/office/officeart/2005/8/layout/hList1"/>
+    <dgm:cxn modelId="{1AA3A285-5F96-4F91-BEDA-0F417B4A1CE7}" srcId="{F9BFFF35-9973-4D07-A10F-085C92AAB457}" destId="{FC5A248A-28A5-4B1D-97B6-C054098C51C2}" srcOrd="1" destOrd="0" parTransId="{FA0F54E2-4D20-4BC2-B74B-D2936AAC7C81}" sibTransId="{2A59BA0A-1B9A-4D75-BA99-637E36C452D4}"/>
+    <dgm:cxn modelId="{D0560FC7-1EBC-432C-A29E-6F31D9FC023D}" type="presOf" srcId="{8684C0F1-E34E-4604-A3C7-21FF8DA101A8}" destId="{DE89CCB6-C2D1-47CA-848F-BB5467ADEE16}" srcOrd="0" destOrd="8" presId="urn:microsoft.com/office/officeart/2005/8/layout/hList1"/>
+    <dgm:cxn modelId="{BD81FC16-2EF4-4513-851A-936432240FF3}" type="presOf" srcId="{7A2F63FB-3FF1-4A11-A6B9-7ABDAEF03ECE}" destId="{DE89CCB6-C2D1-47CA-848F-BB5467ADEE16}" srcOrd="0" destOrd="4" presId="urn:microsoft.com/office/officeart/2005/8/layout/hList1"/>
+    <dgm:cxn modelId="{5D0CA518-2E3F-4EA7-AD90-4D2D7BDFE4E2}" type="presOf" srcId="{BA3B0A31-1BF1-4F24-B07B-0168C5718EB9}" destId="{0A41B8A8-D5BC-4EA7-BFF3-5539C6FC6D22}" srcOrd="0" destOrd="0" presId="urn:microsoft.com/office/officeart/2005/8/layout/hList1"/>
+    <dgm:cxn modelId="{E51ABA40-F3A0-4CB8-82EB-DDFE71BE99FB}" type="presOf" srcId="{75A29C5B-C38A-4866-8FD2-35DC991CEFE2}" destId="{0A41B8A8-D5BC-4EA7-BFF3-5539C6FC6D22}" srcOrd="0" destOrd="3" presId="urn:microsoft.com/office/officeart/2005/8/layout/hList1"/>
+    <dgm:cxn modelId="{8708C6DA-E249-4C9C-A0D0-9F51F4B5237C}" srcId="{F9BFFF35-9973-4D07-A10F-085C92AAB457}" destId="{35729FE7-0852-4920-AB27-A785214810F7}" srcOrd="4" destOrd="0" parTransId="{608DA5DA-AF0E-443E-9795-DE4EF6E0D69F}" sibTransId="{3F7C5466-22FA-4589-84FA-245B92E7BEE4}"/>
+    <dgm:cxn modelId="{159B65CE-1A10-45F4-9DBB-C55B1FBD1AC3}" type="presOf" srcId="{332E6981-E521-417B-BC96-1063A5855ABA}" destId="{DE89CCB6-C2D1-47CA-848F-BB5467ADEE16}" srcOrd="0" destOrd="7" presId="urn:microsoft.com/office/officeart/2005/8/layout/hList1"/>
+    <dgm:cxn modelId="{910CBF3F-A98E-403F-BA0E-3DE241E085CE}" type="presOf" srcId="{16D381A1-3B25-458D-B1D2-FF0E64137EEF}" destId="{0A41B8A8-D5BC-4EA7-BFF3-5539C6FC6D22}" srcOrd="0" destOrd="6" presId="urn:microsoft.com/office/officeart/2005/8/layout/hList1"/>
+    <dgm:cxn modelId="{CF354F44-10FC-4219-A687-DE27789EA552}" type="presOf" srcId="{6082DF69-9D14-4EF9-94DF-DB06AD5C3E1D}" destId="{DE89CCB6-C2D1-47CA-848F-BB5467ADEE16}" srcOrd="0" destOrd="6" presId="urn:microsoft.com/office/officeart/2005/8/layout/hList1"/>
+    <dgm:cxn modelId="{D754B117-92CF-4D70-AD03-244F5793EC67}" type="presOf" srcId="{0DC851E1-2AF7-45F0-BA0E-6DEB1C8D81D8}" destId="{44252B39-D70C-4C9E-8A4B-17E7416C959D}" srcOrd="0" destOrd="0" presId="urn:microsoft.com/office/officeart/2005/8/layout/hList1"/>
     <dgm:cxn modelId="{D8A8EE06-21AE-448A-BF95-ED9D236768B9}" srcId="{CDC6D30D-7904-4FA8-8F2A-BB23AD32C182}" destId="{F9BFFF35-9973-4D07-A10F-085C92AAB457}" srcOrd="2" destOrd="0" parTransId="{AF795050-02CA-4BBF-80CE-6F34E718C082}" sibTransId="{AFB4528C-8F4A-4E06-B776-249296269270}"/>
-    <dgm:cxn modelId="{2BB2298D-88D6-43F9-A5DA-4697A4C6AF52}" srcId="{F186F80F-F4FB-457A-8896-33C1771BDE1B}" destId="{75A29C5B-C38A-4866-8FD2-35DC991CEFE2}" srcOrd="3" destOrd="0" parTransId="{EBC9BF79-29AF-4B9F-999D-2DC80D3D81CD}" sibTransId="{8EE8297D-8643-41CC-A13E-D5DB807CC4F1}"/>
-    <dgm:cxn modelId="{489B7F20-2FB1-45AC-BE56-319FBAA38CC3}" type="presOf" srcId="{6AB466DA-5AB0-46B3-8CA7-FD04B79CB66A}" destId="{44252B39-D70C-4C9E-8A4B-17E7416C959D}" srcOrd="0" destOrd="6" presId="urn:microsoft.com/office/officeart/2005/8/layout/hList1"/>
-    <dgm:cxn modelId="{0A5278E4-2342-41FA-9153-A910C429F4B3}" type="presOf" srcId="{2688D8EB-9E49-4DC5-9017-445218AD7AB7}" destId="{44252B39-D70C-4C9E-8A4B-17E7416C959D}" srcOrd="0" destOrd="7" presId="urn:microsoft.com/office/officeart/2005/8/layout/hList1"/>
-    <dgm:cxn modelId="{E51ABA40-F3A0-4CB8-82EB-DDFE71BE99FB}" type="presOf" srcId="{75A29C5B-C38A-4866-8FD2-35DC991CEFE2}" destId="{0A41B8A8-D5BC-4EA7-BFF3-5539C6FC6D22}" srcOrd="0" destOrd="3" presId="urn:microsoft.com/office/officeart/2005/8/layout/hList1"/>
-    <dgm:cxn modelId="{AE806F0B-B13E-4545-886C-E53629E3F117}" type="presOf" srcId="{71570D7F-C2DE-4FBD-961B-B9B7B453C841}" destId="{0A41B8A8-D5BC-4EA7-BFF3-5539C6FC6D22}" srcOrd="0" destOrd="7" presId="urn:microsoft.com/office/officeart/2005/8/layout/hList1"/>
-    <dgm:cxn modelId="{D754B117-92CF-4D70-AD03-244F5793EC67}" type="presOf" srcId="{0DC851E1-2AF7-45F0-BA0E-6DEB1C8D81D8}" destId="{44252B39-D70C-4C9E-8A4B-17E7416C959D}" srcOrd="0" destOrd="0" presId="urn:microsoft.com/office/officeart/2005/8/layout/hList1"/>
-    <dgm:cxn modelId="{AA30F5E0-65DE-4B27-A1B7-9C12EBC4497E}" type="presOf" srcId="{FC5A248A-28A5-4B1D-97B6-C054098C51C2}" destId="{44252B39-D70C-4C9E-8A4B-17E7416C959D}" srcOrd="0" destOrd="1" presId="urn:microsoft.com/office/officeart/2005/8/layout/hList1"/>
-    <dgm:cxn modelId="{910CBF3F-A98E-403F-BA0E-3DE241E085CE}" type="presOf" srcId="{16D381A1-3B25-458D-B1D2-FF0E64137EEF}" destId="{0A41B8A8-D5BC-4EA7-BFF3-5539C6FC6D22}" srcOrd="0" destOrd="6" presId="urn:microsoft.com/office/officeart/2005/8/layout/hList1"/>
-    <dgm:cxn modelId="{32738C0E-47CA-4C22-9350-8F852736B9A9}" srcId="{F9BFFF35-9973-4D07-A10F-085C92AAB457}" destId="{2688D8EB-9E49-4DC5-9017-445218AD7AB7}" srcOrd="7" destOrd="0" parTransId="{8728E131-208D-4329-A289-4442FB514F62}" sibTransId="{D7411F6C-275A-4641-9EDC-D5F755B25296}"/>
-    <dgm:cxn modelId="{9A037C98-E6DA-4C39-B909-913C7D8C9DA4}" srcId="{F186F80F-F4FB-457A-8896-33C1771BDE1B}" destId="{16D381A1-3B25-458D-B1D2-FF0E64137EEF}" srcOrd="6" destOrd="0" parTransId="{52190249-BB17-4CD5-AF32-D36EF2674479}" sibTransId="{E2A051D1-C39F-4E7F-ADB2-AB4E2617CD85}"/>
-    <dgm:cxn modelId="{654AA4AF-75C1-47A9-81E8-BFE2DFDE1BD8}" srcId="{D57C8FDB-1C8E-45DD-8F95-EBE4F9C9BE5A}" destId="{E5889452-FE69-484F-B423-2EF278B05FC2}" srcOrd="3" destOrd="0" parTransId="{139022DF-08CC-4CF2-BE83-5E71D0B0B30C}" sibTransId="{712A17BB-E6D8-47D3-A8E0-5197853BB4D6}"/>
-    <dgm:cxn modelId="{3E084E7A-F0C8-4AA6-90A8-EC6AEAB01B8F}" srcId="{F186F80F-F4FB-457A-8896-33C1771BDE1B}" destId="{71570D7F-C2DE-4FBD-961B-B9B7B453C841}" srcOrd="7" destOrd="0" parTransId="{4E4838E8-E937-444F-845A-1857CB29765E}" sibTransId="{10D8335B-68FF-4DF8-9051-EF65572C14A8}"/>
-    <dgm:cxn modelId="{34089C3D-37E7-4587-BCEE-A9A84AA7BE87}" type="presOf" srcId="{728CF3CC-C553-4A34-A2DB-F3EF21047848}" destId="{44252B39-D70C-4C9E-8A4B-17E7416C959D}" srcOrd="0" destOrd="8" presId="urn:microsoft.com/office/officeart/2005/8/layout/hList1"/>
-    <dgm:cxn modelId="{78415B79-61A5-4133-8162-F86B708ECC94}" srcId="{D57C8FDB-1C8E-45DD-8F95-EBE4F9C9BE5A}" destId="{C591C4FD-E204-4BA2-88B8-F49B1B84DB52}" srcOrd="1" destOrd="0" parTransId="{D78FF0E3-E6B2-4E87-8363-43FE57E85EC2}" sibTransId="{9134605C-E55C-481D-BE52-E04A0A773C1E}"/>
-    <dgm:cxn modelId="{4E41EAF2-B97A-4DA3-98C6-7DF6C1D57C7F}" type="presOf" srcId="{CDC6D30D-7904-4FA8-8F2A-BB23AD32C182}" destId="{7CFF67C4-4879-4D0B-867A-C751E7976001}" srcOrd="0" destOrd="0" presId="urn:microsoft.com/office/officeart/2005/8/layout/hList1"/>
-    <dgm:cxn modelId="{40D3C4D1-07C9-40CF-8957-48D32B82A5F3}" srcId="{F186F80F-F4FB-457A-8896-33C1771BDE1B}" destId="{6AB4D320-8785-48B2-B5D0-438F97796857}" srcOrd="1" destOrd="0" parTransId="{706A948F-22AF-4346-9A48-606E3A5E899A}" sibTransId="{38B6D992-9B0C-4C0C-8C07-03A5867D84FB}"/>
-    <dgm:cxn modelId="{C650CAC5-D64E-4F14-8D9B-84AB8F1F91AA}" type="presOf" srcId="{CA6ABB31-E9EF-4E2F-8D96-A133E46C0EBE}" destId="{DE89CCB6-C2D1-47CA-848F-BB5467ADEE16}" srcOrd="0" destOrd="2" presId="urn:microsoft.com/office/officeart/2005/8/layout/hList1"/>
-    <dgm:cxn modelId="{127833D0-DABF-4268-B3D1-AC1229C6E529}" type="presOf" srcId="{75FFF0CC-C7BF-4301-9AFF-C19C3B9EF806}" destId="{DE89CCB6-C2D1-47CA-848F-BB5467ADEE16}" srcOrd="0" destOrd="5" presId="urn:microsoft.com/office/officeart/2005/8/layout/hList1"/>
-    <dgm:cxn modelId="{1AA3A285-5F96-4F91-BEDA-0F417B4A1CE7}" srcId="{F9BFFF35-9973-4D07-A10F-085C92AAB457}" destId="{FC5A248A-28A5-4B1D-97B6-C054098C51C2}" srcOrd="1" destOrd="0" parTransId="{FA0F54E2-4D20-4BC2-B74B-D2936AAC7C81}" sibTransId="{2A59BA0A-1B9A-4D75-BA99-637E36C452D4}"/>
-    <dgm:cxn modelId="{41956DB7-D944-4D60-84C7-39AE351A1D01}" srcId="{F9BFFF35-9973-4D07-A10F-085C92AAB457}" destId="{728CF3CC-C553-4A34-A2DB-F3EF21047848}" srcOrd="8" destOrd="0" parTransId="{09FC51B9-668E-4DBC-B803-0BBBAEA95CA5}" sibTransId="{E3DFF56A-A8AE-4CCB-8F9B-D472B291C4D5}"/>
-    <dgm:cxn modelId="{DD9E91DC-DCCC-4207-969A-5EF75D54692A}" type="presOf" srcId="{2858EDAD-2577-464E-A4BD-E4D76A898C38}" destId="{0A41B8A8-D5BC-4EA7-BFF3-5539C6FC6D22}" srcOrd="0" destOrd="2" presId="urn:microsoft.com/office/officeart/2005/8/layout/hList1"/>
-    <dgm:cxn modelId="{F2273CFA-FEC5-407E-87B1-0A7E1D06BA11}" srcId="{F9BFFF35-9973-4D07-A10F-085C92AAB457}" destId="{6AB466DA-5AB0-46B3-8CA7-FD04B79CB66A}" srcOrd="6" destOrd="0" parTransId="{12F41696-7F05-477E-997C-DA23A5A6907F}" sibTransId="{36288616-04C7-46E1-A3A4-3435DA6C7304}"/>
+    <dgm:cxn modelId="{6D5ADD8A-E9B4-4990-B289-BACD79855A5B}" type="presOf" srcId="{25232D87-2C54-4241-AFAE-FBBB80640133}" destId="{0A41B8A8-D5BC-4EA7-BFF3-5539C6FC6D22}" srcOrd="0" destOrd="5" presId="urn:microsoft.com/office/officeart/2005/8/layout/hList1"/>
     <dgm:cxn modelId="{4A648AA5-483F-419C-8312-9715BC36BE62}" type="presOf" srcId="{E5889452-FE69-484F-B423-2EF278B05FC2}" destId="{DE89CCB6-C2D1-47CA-848F-BB5467ADEE16}" srcOrd="0" destOrd="3" presId="urn:microsoft.com/office/officeart/2005/8/layout/hList1"/>
-    <dgm:cxn modelId="{C0CD61E7-96F1-48C6-9AF5-359DB03D7E3A}" srcId="{D57C8FDB-1C8E-45DD-8F95-EBE4F9C9BE5A}" destId="{6082DF69-9D14-4EF9-94DF-DB06AD5C3E1D}" srcOrd="6" destOrd="0" parTransId="{32EC3DE5-53FA-44F5-965F-F6A6A1DBE348}" sibTransId="{105C8532-C306-4FD9-8943-1C70E5E6FA20}"/>
-    <dgm:cxn modelId="{D0560FC7-1EBC-432C-A29E-6F31D9FC023D}" type="presOf" srcId="{8684C0F1-E34E-4604-A3C7-21FF8DA101A8}" destId="{DE89CCB6-C2D1-47CA-848F-BB5467ADEE16}" srcOrd="0" destOrd="8" presId="urn:microsoft.com/office/officeart/2005/8/layout/hList1"/>
-    <dgm:cxn modelId="{3BE5F00A-EBC9-4EF6-9723-4536BE72ACF3}" type="presOf" srcId="{367C15C0-3956-4028-8348-DF44B2E427EC}" destId="{44252B39-D70C-4C9E-8A4B-17E7416C959D}" srcOrd="0" destOrd="3" presId="urn:microsoft.com/office/officeart/2005/8/layout/hList1"/>
-    <dgm:cxn modelId="{BD81FC16-2EF4-4513-851A-936432240FF3}" type="presOf" srcId="{7A2F63FB-3FF1-4A11-A6B9-7ABDAEF03ECE}" destId="{DE89CCB6-C2D1-47CA-848F-BB5467ADEE16}" srcOrd="0" destOrd="4" presId="urn:microsoft.com/office/officeart/2005/8/layout/hList1"/>
-    <dgm:cxn modelId="{E9D89A51-139D-4509-8538-25CED9BCCAED}" type="presOf" srcId="{3034EBC6-3B94-4082-BE2E-3598D29DA413}" destId="{0A41B8A8-D5BC-4EA7-BFF3-5539C6FC6D22}" srcOrd="0" destOrd="4" presId="urn:microsoft.com/office/officeart/2005/8/layout/hList1"/>
-    <dgm:cxn modelId="{22CF1846-EAB1-4BF5-8AB0-CDB6DEAED0FF}" srcId="{F186F80F-F4FB-457A-8896-33C1771BDE1B}" destId="{BA3B0A31-1BF1-4F24-B07B-0168C5718EB9}" srcOrd="0" destOrd="0" parTransId="{826E38D3-37F3-43D1-B8B2-6498568B9E3F}" sibTransId="{06BDD23C-C1AA-418E-8792-853220E144A0}"/>
-    <dgm:cxn modelId="{1A4C096E-EFFF-454D-AC5E-8B3476B404FC}" type="presOf" srcId="{9A6B76C4-C952-4BD6-BB09-17DFC9C8417E}" destId="{44252B39-D70C-4C9E-8A4B-17E7416C959D}" srcOrd="0" destOrd="5" presId="urn:microsoft.com/office/officeart/2005/8/layout/hList1"/>
-    <dgm:cxn modelId="{EE09CCDE-E3F8-4AD1-9584-7D717A5F7B3D}" srcId="{F186F80F-F4FB-457A-8896-33C1771BDE1B}" destId="{2858EDAD-2577-464E-A4BD-E4D76A898C38}" srcOrd="2" destOrd="0" parTransId="{F321AC25-A44A-4359-B882-73C25C14D739}" sibTransId="{5724571C-091E-4122-965B-C6E9C0709BEE}"/>
-    <dgm:cxn modelId="{CF354F44-10FC-4219-A687-DE27789EA552}" type="presOf" srcId="{6082DF69-9D14-4EF9-94DF-DB06AD5C3E1D}" destId="{DE89CCB6-C2D1-47CA-848F-BB5467ADEE16}" srcOrd="0" destOrd="6" presId="urn:microsoft.com/office/officeart/2005/8/layout/hList1"/>
-    <dgm:cxn modelId="{B84C186C-B6E4-4515-8021-A8F475915BC5}" srcId="{F9BFFF35-9973-4D07-A10F-085C92AAB457}" destId="{367C15C0-3956-4028-8348-DF44B2E427EC}" srcOrd="3" destOrd="0" parTransId="{D3148CE2-F3AD-4E26-94FF-E4EFFB1CC5A3}" sibTransId="{D22B2541-27DC-409E-8B02-001D010A9172}"/>
-    <dgm:cxn modelId="{25371B15-D4DA-4A4C-AC25-BA1BDB3B317E}" type="presOf" srcId="{8256FCFD-1BAA-49A1-9895-F80ACB2C844A}" destId="{44252B39-D70C-4C9E-8A4B-17E7416C959D}" srcOrd="0" destOrd="2" presId="urn:microsoft.com/office/officeart/2005/8/layout/hList1"/>
-    <dgm:cxn modelId="{8708C6DA-E249-4C9C-A0D0-9F51F4B5237C}" srcId="{F9BFFF35-9973-4D07-A10F-085C92AAB457}" destId="{35729FE7-0852-4920-AB27-A785214810F7}" srcOrd="4" destOrd="0" parTransId="{608DA5DA-AF0E-443E-9795-DE4EF6E0D69F}" sibTransId="{3F7C5466-22FA-4589-84FA-245B92E7BEE4}"/>
-    <dgm:cxn modelId="{AE05FB76-3BBC-4B00-8FEA-3DA8D9397DB1}" type="presOf" srcId="{6AB4D320-8785-48B2-B5D0-438F97796857}" destId="{0A41B8A8-D5BC-4EA7-BFF3-5539C6FC6D22}" srcOrd="0" destOrd="1" presId="urn:microsoft.com/office/officeart/2005/8/layout/hList1"/>
-    <dgm:cxn modelId="{4547BB51-B638-4E6A-ACC4-D6BA8FE37DD3}" srcId="{F9BFFF35-9973-4D07-A10F-085C92AAB457}" destId="{9A6B76C4-C952-4BD6-BB09-17DFC9C8417E}" srcOrd="5" destOrd="0" parTransId="{E4AD53EA-9512-461F-8DCE-142E7EA0F7DC}" sibTransId="{5A28D0D2-B735-457F-AB86-DE99E7D3095D}"/>
-    <dgm:cxn modelId="{94E09677-5A88-4164-A408-FDB3FC424732}" srcId="{D57C8FDB-1C8E-45DD-8F95-EBE4F9C9BE5A}" destId="{CA6ABB31-E9EF-4E2F-8D96-A133E46C0EBE}" srcOrd="2" destOrd="0" parTransId="{891674D3-6043-40F1-AFA5-B11076D85E46}" sibTransId="{D41798E6-473B-4235-8EE2-596FE45A196E}"/>
-    <dgm:cxn modelId="{9E9A6339-A05F-4778-8D2B-E104A5C21914}" srcId="{CDC6D30D-7904-4FA8-8F2A-BB23AD32C182}" destId="{D57C8FDB-1C8E-45DD-8F95-EBE4F9C9BE5A}" srcOrd="0" destOrd="0" parTransId="{151DB227-1366-4273-ADE8-BD207DA25B2B}" sibTransId="{B0AFFFFB-68C9-43FE-8CF5-466EB1EF5B0B}"/>
-    <dgm:cxn modelId="{EAA4C7A8-6EAB-443D-A82E-32C6288FC9AE}" type="presOf" srcId="{F9BFFF35-9973-4D07-A10F-085C92AAB457}" destId="{8463E01D-63A4-4DBD-847D-23B4F58A2784}" srcOrd="0" destOrd="0" presId="urn:microsoft.com/office/officeart/2005/8/layout/hList1"/>
-    <dgm:cxn modelId="{E96413BF-2406-46A7-8230-8CA16CCF19DC}" srcId="{D57C8FDB-1C8E-45DD-8F95-EBE4F9C9BE5A}" destId="{332E6981-E521-417B-BC96-1063A5855ABA}" srcOrd="7" destOrd="0" parTransId="{D8136CBA-8512-4E45-96A3-51C61955214E}" sibTransId="{8D1E47FB-1E92-42B9-814F-0FE9780F9742}"/>
-    <dgm:cxn modelId="{6D5ADD8A-E9B4-4990-B289-BACD79855A5B}" type="presOf" srcId="{25232D87-2C54-4241-AFAE-FBBB80640133}" destId="{0A41B8A8-D5BC-4EA7-BFF3-5539C6FC6D22}" srcOrd="0" destOrd="5" presId="urn:microsoft.com/office/officeart/2005/8/layout/hList1"/>
-    <dgm:cxn modelId="{4AEF5F14-6154-42A5-B091-1A309A4B7CCF}" srcId="{F186F80F-F4FB-457A-8896-33C1771BDE1B}" destId="{3A35FE84-FD1F-4F9F-AAA8-D46DF60E5B7E}" srcOrd="8" destOrd="0" parTransId="{0F605645-9B98-4F28-9F65-F903F9A32331}" sibTransId="{35C70684-A285-436E-942F-E18016F50C76}"/>
-    <dgm:cxn modelId="{447BDEF9-106A-425A-B4F7-6C1612144FE8}" type="presOf" srcId="{EB8900FC-75E9-4983-AEB4-B098D34F738C}" destId="{DE89CCB6-C2D1-47CA-848F-BB5467ADEE16}" srcOrd="0" destOrd="0" presId="urn:microsoft.com/office/officeart/2005/8/layout/hList1"/>
-    <dgm:cxn modelId="{5A3EC392-818A-4D28-94F6-1E56AF96C8CC}" srcId="{F9BFFF35-9973-4D07-A10F-085C92AAB457}" destId="{8256FCFD-1BAA-49A1-9895-F80ACB2C844A}" srcOrd="2" destOrd="0" parTransId="{E866106D-362C-4C44-80B6-27C3A8603FD1}" sibTransId="{79B91BE6-668C-4D1F-8F50-12805EF46833}"/>
     <dgm:cxn modelId="{164F2ED9-7BF0-4A2C-8FAB-E01D24ED158B}" type="presOf" srcId="{35729FE7-0852-4920-AB27-A785214810F7}" destId="{44252B39-D70C-4C9E-8A4B-17E7416C959D}" srcOrd="0" destOrd="4" presId="urn:microsoft.com/office/officeart/2005/8/layout/hList1"/>
-    <dgm:cxn modelId="{159B65CE-1A10-45F4-9DBB-C55B1FBD1AC3}" type="presOf" srcId="{332E6981-E521-417B-BC96-1063A5855ABA}" destId="{DE89CCB6-C2D1-47CA-848F-BB5467ADEE16}" srcOrd="0" destOrd="7" presId="urn:microsoft.com/office/officeart/2005/8/layout/hList1"/>
-    <dgm:cxn modelId="{37507A04-24DF-494F-A2F5-E6689EC57777}" srcId="{F9BFFF35-9973-4D07-A10F-085C92AAB457}" destId="{0DC851E1-2AF7-45F0-BA0E-6DEB1C8D81D8}" srcOrd="0" destOrd="0" parTransId="{3A74280B-69A5-4A75-9718-E4E2A6B09E30}" sibTransId="{05D0F9C3-A082-44D8-824A-0E14AC426F48}"/>
-    <dgm:cxn modelId="{B8EFBA77-4DB0-407A-946B-68FD0D4D790D}" type="presOf" srcId="{F186F80F-F4FB-457A-8896-33C1771BDE1B}" destId="{48C75522-E321-4568-B269-7A62E8C0ACF5}" srcOrd="0" destOrd="0" presId="urn:microsoft.com/office/officeart/2005/8/layout/hList1"/>
-    <dgm:cxn modelId="{338CAFFE-224F-4068-9828-5881D79DD183}" srcId="{D57C8FDB-1C8E-45DD-8F95-EBE4F9C9BE5A}" destId="{75FFF0CC-C7BF-4301-9AFF-C19C3B9EF806}" srcOrd="5" destOrd="0" parTransId="{B9812A98-8211-4862-B05B-8C608F344B84}" sibTransId="{EBB705AC-45F3-469F-A0A7-B60D955369D6}"/>
-    <dgm:cxn modelId="{58B54033-308D-4DCB-BDD6-580F6C691235}" type="presOf" srcId="{D57C8FDB-1C8E-45DD-8F95-EBE4F9C9BE5A}" destId="{85510D54-D4F5-426A-BB1B-24B32AB51E03}" srcOrd="0" destOrd="0" presId="urn:microsoft.com/office/officeart/2005/8/layout/hList1"/>
-    <dgm:cxn modelId="{5D0CA518-2E3F-4EA7-AD90-4D2D7BDFE4E2}" type="presOf" srcId="{BA3B0A31-1BF1-4F24-B07B-0168C5718EB9}" destId="{0A41B8A8-D5BC-4EA7-BFF3-5539C6FC6D22}" srcOrd="0" destOrd="0" presId="urn:microsoft.com/office/officeart/2005/8/layout/hList1"/>
-    <dgm:cxn modelId="{B946A539-A92D-48AC-9316-83AC8B098BA9}" srcId="{F186F80F-F4FB-457A-8896-33C1771BDE1B}" destId="{3034EBC6-3B94-4082-BE2E-3598D29DA413}" srcOrd="4" destOrd="0" parTransId="{7878FD06-721F-4613-951A-606CEDEA9869}" sibTransId="{0677900A-EADD-4504-82B5-333FACCF5E86}"/>
-    <dgm:cxn modelId="{DFECAF6E-00B0-49EC-BAE4-10F6558AC8E1}" type="presOf" srcId="{3A35FE84-FD1F-4F9F-AAA8-D46DF60E5B7E}" destId="{0A41B8A8-D5BC-4EA7-BFF3-5539C6FC6D22}" srcOrd="0" destOrd="8" presId="urn:microsoft.com/office/officeart/2005/8/layout/hList1"/>
     <dgm:cxn modelId="{DC810436-BD36-4E3B-BBD4-84C8FB65FFF3}" type="presParOf" srcId="{7CFF67C4-4879-4D0B-867A-C751E7976001}" destId="{AE0493E1-86DD-4217-85C0-757BC9BACF47}" srcOrd="0" destOrd="0" presId="urn:microsoft.com/office/officeart/2005/8/layout/hList1"/>
     <dgm:cxn modelId="{E0FDAB1A-E31F-4CA7-A540-D88CFDFF636B}" type="presParOf" srcId="{AE0493E1-86DD-4217-85C0-757BC9BACF47}" destId="{85510D54-D4F5-426A-BB1B-24B32AB51E03}" srcOrd="0" destOrd="0" presId="urn:microsoft.com/office/officeart/2005/8/layout/hList1"/>
     <dgm:cxn modelId="{954538CD-5C80-4F94-AF6D-D0754F54D269}" type="presParOf" srcId="{AE0493E1-86DD-4217-85C0-757BC9BACF47}" destId="{DE89CCB6-C2D1-47CA-848F-BB5467ADEE16}" srcOrd="1" destOrd="0" presId="urn:microsoft.com/office/officeart/2005/8/layout/hList1"/>
@@ -4600,7 +4602,7 @@
           <a:p>
             <a:fld id="{B1744AD1-7E96-455A-8C7F-605A7DD0F917}" type="datetimeFigureOut">
               <a:rPr lang="en-US" smtClean="0"/>
-              <a:t>9/25/2020</a:t>
+              <a:t>9/26/2020</a:t>
             </a:fld>
             <a:endParaRPr lang="en-US"/>
           </a:p>
@@ -4865,6 +4867,90 @@
     </a:lvl9pPr>
   </p:notesStyle>
 </p:notesMaster>
+</file>
+
+<file path=ppt/notesSlides/notesSlide1.xml><?xml version="1.0" encoding="utf-8"?>
+<p:notes xmlns:a="http://schemas.openxmlformats.org/drawingml/2006/main" xmlns:r="http://schemas.openxmlformats.org/officeDocument/2006/relationships" xmlns:p="http://schemas.openxmlformats.org/presentationml/2006/main">
+  <p:cSld>
+    <p:spTree>
+      <p:nvGrpSpPr>
+        <p:cNvPr id="1" name=""/>
+        <p:cNvGrpSpPr/>
+        <p:nvPr/>
+      </p:nvGrpSpPr>
+      <p:grpSpPr>
+        <a:xfrm>
+          <a:off x="0" y="0"/>
+          <a:ext cx="0" cy="0"/>
+          <a:chOff x="0" y="0"/>
+          <a:chExt cx="0" cy="0"/>
+        </a:xfrm>
+      </p:grpSpPr>
+      <p:sp>
+        <p:nvSpPr>
+          <p:cNvPr id="2" name="Slide Image Placeholder 1"/>
+          <p:cNvSpPr>
+            <a:spLocks noGrp="1" noRot="1" noChangeAspect="1"/>
+          </p:cNvSpPr>
+          <p:nvPr>
+            <p:ph type="sldImg"/>
+          </p:nvPr>
+        </p:nvSpPr>
+        <p:spPr/>
+      </p:sp>
+      <p:sp>
+        <p:nvSpPr>
+          <p:cNvPr id="3" name="Notes Placeholder 2"/>
+          <p:cNvSpPr>
+            <a:spLocks noGrp="1"/>
+          </p:cNvSpPr>
+          <p:nvPr>
+            <p:ph type="body" idx="1"/>
+          </p:nvPr>
+        </p:nvSpPr>
+        <p:spPr/>
+        <p:txBody>
+          <a:bodyPr/>
+          <a:lstStyle/>
+          <a:p>
+            <a:endParaRPr lang="en-US" dirty="0"/>
+          </a:p>
+        </p:txBody>
+      </p:sp>
+      <p:sp>
+        <p:nvSpPr>
+          <p:cNvPr id="4" name="Slide Number Placeholder 3"/>
+          <p:cNvSpPr>
+            <a:spLocks noGrp="1"/>
+          </p:cNvSpPr>
+          <p:nvPr>
+            <p:ph type="sldNum" sz="quarter" idx="10"/>
+          </p:nvPr>
+        </p:nvSpPr>
+        <p:spPr/>
+        <p:txBody>
+          <a:bodyPr/>
+          <a:lstStyle/>
+          <a:p>
+            <a:fld id="{89EDC514-9E28-441F-BF04-3DE8912E9F4E}" type="slidenum">
+              <a:rPr lang="en-US" smtClean="0"/>
+              <a:t>8</a:t>
+            </a:fld>
+            <a:endParaRPr lang="en-US"/>
+          </a:p>
+        </p:txBody>
+      </p:sp>
+    </p:spTree>
+    <p:extLst>
+      <p:ext uri="{BB962C8B-B14F-4D97-AF65-F5344CB8AC3E}">
+        <p14:creationId xmlns:p14="http://schemas.microsoft.com/office/powerpoint/2010/main" val="944605632"/>
+      </p:ext>
+    </p:extLst>
+  </p:cSld>
+  <p:clrMapOvr>
+    <a:masterClrMapping/>
+  </p:clrMapOvr>
+</p:notes>
 </file>
 
 <file path=ppt/slideLayouts/slideLayout1.xml><?xml version="1.0" encoding="utf-8"?>
@@ -11962,6 +12048,486 @@
       </p:grpSpPr>
       <p:sp>
         <p:nvSpPr>
+          <p:cNvPr id="6" name="Text Placeholder 5"/>
+          <p:cNvSpPr>
+            <a:spLocks noGrp="1"/>
+          </p:cNvSpPr>
+          <p:nvPr>
+            <p:ph type="body" sz="quarter" idx="10"/>
+          </p:nvPr>
+        </p:nvSpPr>
+        <p:spPr>
+          <a:xfrm>
+            <a:off x="323528" y="216024"/>
+            <a:ext cx="7200800" cy="576064"/>
+          </a:xfrm>
+        </p:spPr>
+        <p:txBody>
+          <a:bodyPr/>
+          <a:lstStyle/>
+          <a:p>
+            <a:r>
+              <a:rPr lang="en-US" dirty="0" smtClean="0"/>
+              <a:t>Network Architecture</a:t>
+            </a:r>
+            <a:endParaRPr lang="en-US" dirty="0"/>
+          </a:p>
+        </p:txBody>
+      </p:sp>
+      <p:pic>
+        <p:nvPicPr>
+          <p:cNvPr id="8" name="Picture 7">
+            <a:extLst>
+              <a:ext uri="{FF2B5EF4-FFF2-40B4-BE49-F238E27FC236}">
+                <a16:creationId xmlns:a16="http://schemas.microsoft.com/office/drawing/2014/main" id="{C9C6BECF-5025-4C47-B97C-87531FDE6959}"/>
+              </a:ext>
+            </a:extLst>
+          </p:cNvPr>
+          <p:cNvPicPr>
+            <a:picLocks noChangeAspect="1"/>
+          </p:cNvPicPr>
+          <p:nvPr/>
+        </p:nvPicPr>
+        <p:blipFill>
+          <a:blip r:embed="rId2">
+            <a:extLst>
+              <a:ext uri="{28A0092B-C50C-407E-A947-70E740481C1C}">
+                <a14:useLocalDpi xmlns:a14="http://schemas.microsoft.com/office/drawing/2010/main" val="0"/>
+              </a:ext>
+            </a:extLst>
+          </a:blip>
+          <a:stretch>
+            <a:fillRect/>
+          </a:stretch>
+        </p:blipFill>
+        <p:spPr>
+          <a:xfrm>
+            <a:off x="0" y="1707654"/>
+            <a:ext cx="4932040" cy="2880320"/>
+          </a:xfrm>
+          <a:prstGeom prst="rect">
+            <a:avLst/>
+          </a:prstGeom>
+        </p:spPr>
+      </p:pic>
+      <p:pic>
+        <p:nvPicPr>
+          <p:cNvPr id="9" name="Picture 8"/>
+          <p:cNvPicPr>
+            <a:picLocks noChangeAspect="1"/>
+          </p:cNvPicPr>
+          <p:nvPr/>
+        </p:nvPicPr>
+        <p:blipFill>
+          <a:blip r:embed="rId3">
+            <a:extLst>
+              <a:ext uri="{28A0092B-C50C-407E-A947-70E740481C1C}">
+                <a14:useLocalDpi xmlns:a14="http://schemas.microsoft.com/office/drawing/2010/main" val="0"/>
+              </a:ext>
+            </a:extLst>
+          </a:blip>
+          <a:stretch>
+            <a:fillRect/>
+          </a:stretch>
+        </p:blipFill>
+        <p:spPr>
+          <a:xfrm>
+            <a:off x="4788024" y="1059582"/>
+            <a:ext cx="4283967" cy="4083918"/>
+          </a:xfrm>
+          <a:prstGeom prst="rect">
+            <a:avLst/>
+          </a:prstGeom>
+        </p:spPr>
+      </p:pic>
+    </p:spTree>
+    <p:extLst>
+      <p:ext uri="{BB962C8B-B14F-4D97-AF65-F5344CB8AC3E}">
+        <p14:creationId xmlns:p14="http://schemas.microsoft.com/office/powerpoint/2010/main" val="522716131"/>
+      </p:ext>
+    </p:extLst>
+  </p:cSld>
+  <p:clrMapOvr>
+    <a:masterClrMapping/>
+  </p:clrMapOvr>
+  <p:timing>
+    <p:tnLst>
+      <p:par>
+        <p:cTn id="1" dur="indefinite" restart="never" nodeType="tmRoot"/>
+      </p:par>
+    </p:tnLst>
+  </p:timing>
+</p:sld>
+</file>
+
+<file path=ppt/slides/slide11.xml><?xml version="1.0" encoding="utf-8"?>
+<p:sld xmlns:a="http://schemas.openxmlformats.org/drawingml/2006/main" xmlns:r="http://schemas.openxmlformats.org/officeDocument/2006/relationships" xmlns:p="http://schemas.openxmlformats.org/presentationml/2006/main">
+  <p:cSld>
+    <p:spTree>
+      <p:nvGrpSpPr>
+        <p:cNvPr id="1" name=""/>
+        <p:cNvGrpSpPr/>
+        <p:nvPr/>
+      </p:nvGrpSpPr>
+      <p:grpSpPr>
+        <a:xfrm>
+          <a:off x="0" y="0"/>
+          <a:ext cx="0" cy="0"/>
+          <a:chOff x="0" y="0"/>
+          <a:chExt cx="0" cy="0"/>
+        </a:xfrm>
+      </p:grpSpPr>
+      <p:sp>
+        <p:nvSpPr>
+          <p:cNvPr id="6" name="Text Placeholder 5"/>
+          <p:cNvSpPr>
+            <a:spLocks noGrp="1"/>
+          </p:cNvSpPr>
+          <p:nvPr>
+            <p:ph type="body" sz="quarter" idx="10"/>
+          </p:nvPr>
+        </p:nvSpPr>
+        <p:spPr>
+          <a:xfrm>
+            <a:off x="1619672" y="339502"/>
+            <a:ext cx="7524328" cy="576064"/>
+          </a:xfrm>
+        </p:spPr>
+        <p:txBody>
+          <a:bodyPr/>
+          <a:lstStyle/>
+          <a:p>
+            <a:r>
+              <a:rPr lang="en-US" sz="4400" b="1" dirty="0" err="1" smtClean="0">
+                <a:solidFill>
+                  <a:schemeClr val="accent1">
+                    <a:lumMod val="75000"/>
+                  </a:schemeClr>
+                </a:solidFill>
+              </a:rPr>
+              <a:t>Hyperparameters</a:t>
+            </a:r>
+            <a:r>
+              <a:rPr lang="en-US" sz="4400" b="1" dirty="0" smtClean="0">
+                <a:solidFill>
+                  <a:schemeClr val="accent1">
+                    <a:lumMod val="75000"/>
+                  </a:schemeClr>
+                </a:solidFill>
+              </a:rPr>
+              <a:t>: </a:t>
+            </a:r>
+            <a:endParaRPr lang="en-US" sz="4400" b="1" dirty="0">
+              <a:solidFill>
+                <a:schemeClr val="accent1">
+                  <a:lumMod val="75000"/>
+                </a:schemeClr>
+              </a:solidFill>
+            </a:endParaRPr>
+          </a:p>
+        </p:txBody>
+      </p:sp>
+      <p:sp>
+        <p:nvSpPr>
+          <p:cNvPr id="8" name="TextBox 7">
+            <a:extLst>
+              <a:ext uri="{FF2B5EF4-FFF2-40B4-BE49-F238E27FC236}">
+                <a16:creationId xmlns:a16="http://schemas.microsoft.com/office/drawing/2014/main" id="{B11D784A-CC19-48DC-8B0F-18E4F660E2F1}"/>
+              </a:ext>
+            </a:extLst>
+          </p:cNvPr>
+          <p:cNvSpPr txBox="1"/>
+          <p:nvPr/>
+        </p:nvSpPr>
+        <p:spPr>
+          <a:xfrm>
+            <a:off x="1619672" y="1131590"/>
+            <a:ext cx="7128792" cy="3416320"/>
+          </a:xfrm>
+          <a:prstGeom prst="rect">
+            <a:avLst/>
+          </a:prstGeom>
+          <a:noFill/>
+        </p:spPr>
+        <p:txBody>
+          <a:bodyPr wrap="square" rtlCol="0">
+            <a:spAutoFit/>
+          </a:bodyPr>
+          <a:lstStyle/>
+          <a:p>
+            <a:pPr marL="285750" indent="-285750">
+              <a:buFont typeface="Arial" panose="020B0604020202020204" pitchFamily="34" charset="0"/>
+              <a:buChar char="•"/>
+            </a:pPr>
+            <a:r>
+              <a:rPr lang="en-US" b="1" dirty="0" err="1" smtClean="0">
+                <a:solidFill>
+                  <a:srgbClr val="00B0F0"/>
+                </a:solidFill>
+                <a:latin typeface="Courier New" panose="02070309020205020404" pitchFamily="49" charset="0"/>
+                <a:cs typeface="Courier New" panose="02070309020205020404" pitchFamily="49" charset="0"/>
+              </a:rPr>
+              <a:t>sequence_length</a:t>
+            </a:r>
+            <a:r>
+              <a:rPr lang="en-US" i="1" dirty="0" smtClean="0"/>
+              <a:t> </a:t>
+            </a:r>
+            <a:r>
+              <a:rPr lang="en-US" i="1" dirty="0"/>
+              <a:t>for the length of a sequence</a:t>
+            </a:r>
+          </a:p>
+          <a:p>
+            <a:pPr marL="285750" indent="-285750">
+              <a:buFont typeface="Arial" panose="020B0604020202020204" pitchFamily="34" charset="0"/>
+              <a:buChar char="•"/>
+            </a:pPr>
+            <a:r>
+              <a:rPr lang="en-US" b="1" dirty="0" err="1" smtClean="0">
+                <a:solidFill>
+                  <a:srgbClr val="00B0F0"/>
+                </a:solidFill>
+                <a:latin typeface="Courier New" panose="02070309020205020404" pitchFamily="49" charset="0"/>
+                <a:cs typeface="Courier New" panose="02070309020205020404" pitchFamily="49" charset="0"/>
+              </a:rPr>
+              <a:t>batch_size</a:t>
+            </a:r>
+            <a:r>
+              <a:rPr lang="en-US" i="1" dirty="0" smtClean="0"/>
+              <a:t> </a:t>
+            </a:r>
+            <a:r>
+              <a:rPr lang="en-US" i="1" dirty="0"/>
+              <a:t>for the batch size</a:t>
+            </a:r>
+          </a:p>
+          <a:p>
+            <a:pPr marL="285750" indent="-285750">
+              <a:buFont typeface="Arial" panose="020B0604020202020204" pitchFamily="34" charset="0"/>
+              <a:buChar char="•"/>
+            </a:pPr>
+            <a:r>
+              <a:rPr lang="en-US" b="1" dirty="0" err="1" smtClean="0">
+                <a:solidFill>
+                  <a:srgbClr val="00B0F0"/>
+                </a:solidFill>
+                <a:latin typeface="Courier New" panose="02070309020205020404" pitchFamily="49" charset="0"/>
+                <a:cs typeface="Courier New" panose="02070309020205020404" pitchFamily="49" charset="0"/>
+              </a:rPr>
+              <a:t>num_epochs</a:t>
+            </a:r>
+            <a:r>
+              <a:rPr lang="en-US" i="1" dirty="0" smtClean="0"/>
+              <a:t> </a:t>
+            </a:r>
+            <a:r>
+              <a:rPr lang="en-US" i="1" dirty="0"/>
+              <a:t>for the number of epochs to train for</a:t>
+            </a:r>
+          </a:p>
+          <a:p>
+            <a:pPr marL="285750" indent="-285750">
+              <a:buFont typeface="Arial" panose="020B0604020202020204" pitchFamily="34" charset="0"/>
+              <a:buChar char="•"/>
+            </a:pPr>
+            <a:r>
+              <a:rPr lang="en-US" b="1" dirty="0" err="1" smtClean="0">
+                <a:solidFill>
+                  <a:srgbClr val="00B0F0"/>
+                </a:solidFill>
+                <a:latin typeface="Courier New" panose="02070309020205020404" pitchFamily="49" charset="0"/>
+                <a:cs typeface="Courier New" panose="02070309020205020404" pitchFamily="49" charset="0"/>
+              </a:rPr>
+              <a:t>learning_rate</a:t>
+            </a:r>
+            <a:r>
+              <a:rPr lang="en-US" i="1" dirty="0" smtClean="0"/>
+              <a:t> </a:t>
+            </a:r>
+            <a:r>
+              <a:rPr lang="en-US" i="1" dirty="0"/>
+              <a:t>for the learning rate for Adam optimizer</a:t>
+            </a:r>
+          </a:p>
+          <a:p>
+            <a:pPr marL="285750" indent="-285750">
+              <a:buFont typeface="Arial" panose="020B0604020202020204" pitchFamily="34" charset="0"/>
+              <a:buChar char="•"/>
+            </a:pPr>
+            <a:r>
+              <a:rPr lang="en-US" b="1" dirty="0" err="1">
+                <a:solidFill>
+                  <a:srgbClr val="00B0F0"/>
+                </a:solidFill>
+                <a:latin typeface="Courier New" panose="02070309020205020404" pitchFamily="49" charset="0"/>
+                <a:cs typeface="Courier New" panose="02070309020205020404" pitchFamily="49" charset="0"/>
+              </a:rPr>
+              <a:t>vocab_size</a:t>
+            </a:r>
+            <a:r>
+              <a:rPr lang="en-US" i="1" dirty="0"/>
+              <a:t> for the number of unique tokens in our vocabulary</a:t>
+            </a:r>
+          </a:p>
+          <a:p>
+            <a:pPr marL="285750" indent="-285750">
+              <a:buFont typeface="Arial" panose="020B0604020202020204" pitchFamily="34" charset="0"/>
+              <a:buChar char="•"/>
+            </a:pPr>
+            <a:r>
+              <a:rPr lang="en-US" b="1" dirty="0" err="1">
+                <a:solidFill>
+                  <a:srgbClr val="00B0F0"/>
+                </a:solidFill>
+                <a:latin typeface="Courier New" panose="02070309020205020404" pitchFamily="49" charset="0"/>
+                <a:cs typeface="Courier New" panose="02070309020205020404" pitchFamily="49" charset="0"/>
+              </a:rPr>
+              <a:t>output_size</a:t>
+            </a:r>
+            <a:r>
+              <a:rPr lang="en-US" i="1" dirty="0"/>
+              <a:t> for the desired size of the output</a:t>
+            </a:r>
+          </a:p>
+          <a:p>
+            <a:pPr marL="285750" indent="-285750">
+              <a:buFont typeface="Arial" panose="020B0604020202020204" pitchFamily="34" charset="0"/>
+              <a:buChar char="•"/>
+            </a:pPr>
+            <a:r>
+              <a:rPr lang="en-US" b="1" dirty="0" err="1" smtClean="0">
+                <a:solidFill>
+                  <a:srgbClr val="00B0F0"/>
+                </a:solidFill>
+                <a:latin typeface="Courier New" panose="02070309020205020404" pitchFamily="49" charset="0"/>
+                <a:cs typeface="Courier New" panose="02070309020205020404" pitchFamily="49" charset="0"/>
+              </a:rPr>
+              <a:t>embedding_dim</a:t>
+            </a:r>
+            <a:r>
+              <a:rPr lang="en-US" i="1" dirty="0" smtClean="0"/>
+              <a:t> </a:t>
+            </a:r>
+            <a:r>
+              <a:rPr lang="en-US" i="1" dirty="0"/>
+              <a:t>for the embedding dimension, smaller than the </a:t>
+            </a:r>
+            <a:r>
+              <a:rPr lang="en-US" i="1" dirty="0" err="1"/>
+              <a:t>vocab_size</a:t>
+            </a:r>
+            <a:endParaRPr lang="en-US" i="1" dirty="0"/>
+          </a:p>
+          <a:p>
+            <a:pPr marL="285750" indent="-285750">
+              <a:buFont typeface="Arial" panose="020B0604020202020204" pitchFamily="34" charset="0"/>
+              <a:buChar char="•"/>
+            </a:pPr>
+            <a:r>
+              <a:rPr lang="en-US" b="1" dirty="0" err="1">
+                <a:solidFill>
+                  <a:srgbClr val="00B0F0"/>
+                </a:solidFill>
+                <a:latin typeface="Courier New" panose="02070309020205020404" pitchFamily="49" charset="0"/>
+                <a:cs typeface="Courier New" panose="02070309020205020404" pitchFamily="49" charset="0"/>
+              </a:rPr>
+              <a:t>hidden_dim</a:t>
+            </a:r>
+            <a:r>
+              <a:rPr lang="en-US" i="1" dirty="0"/>
+              <a:t> for the hidden dimension of RNN</a:t>
+            </a:r>
+          </a:p>
+          <a:p>
+            <a:pPr marL="285750" indent="-285750">
+              <a:buFont typeface="Arial" panose="020B0604020202020204" pitchFamily="34" charset="0"/>
+              <a:buChar char="•"/>
+            </a:pPr>
+            <a:r>
+              <a:rPr lang="en-US" b="1" dirty="0" err="1">
+                <a:solidFill>
+                  <a:srgbClr val="00B0F0"/>
+                </a:solidFill>
+                <a:latin typeface="Courier New" panose="02070309020205020404" pitchFamily="49" charset="0"/>
+                <a:cs typeface="Courier New" panose="02070309020205020404" pitchFamily="49" charset="0"/>
+              </a:rPr>
+              <a:t>n_layers</a:t>
+            </a:r>
+            <a:r>
+              <a:rPr lang="en-US" i="1" dirty="0"/>
+              <a:t> for the number of layers/cells in RNN</a:t>
+            </a:r>
+          </a:p>
+          <a:p>
+            <a:pPr marL="285750" indent="-285750">
+              <a:buFont typeface="Arial" panose="020B0604020202020204" pitchFamily="34" charset="0"/>
+              <a:buChar char="•"/>
+            </a:pPr>
+            <a:r>
+              <a:rPr lang="en-US" b="1" dirty="0" err="1">
+                <a:solidFill>
+                  <a:srgbClr val="00B0F0"/>
+                </a:solidFill>
+                <a:latin typeface="Courier New" panose="02070309020205020404" pitchFamily="49" charset="0"/>
+                <a:cs typeface="Courier New" panose="02070309020205020404" pitchFamily="49" charset="0"/>
+              </a:rPr>
+              <a:t>show_every_n_batches</a:t>
+            </a:r>
+            <a:r>
+              <a:rPr lang="en-US" i="1" dirty="0"/>
+              <a:t> for the number of batches at which </a:t>
+            </a:r>
+            <a:r>
+              <a:rPr lang="en-US" i="1" dirty="0" smtClean="0"/>
+              <a:t>    the </a:t>
+            </a:r>
+            <a:r>
+              <a:rPr lang="en-US" i="1" dirty="0"/>
+              <a:t>neural network should print progress</a:t>
+            </a:r>
+          </a:p>
+        </p:txBody>
+      </p:sp>
+    </p:spTree>
+    <p:extLst>
+      <p:ext uri="{BB962C8B-B14F-4D97-AF65-F5344CB8AC3E}">
+        <p14:creationId xmlns:p14="http://schemas.microsoft.com/office/powerpoint/2010/main" val="2843950419"/>
+      </p:ext>
+    </p:extLst>
+  </p:cSld>
+  <p:clrMapOvr>
+    <a:masterClrMapping/>
+  </p:clrMapOvr>
+  <p:timing>
+    <p:tnLst>
+      <p:par>
+        <p:cTn id="1" dur="indefinite" restart="never" nodeType="tmRoot"/>
+      </p:par>
+    </p:tnLst>
+  </p:timing>
+</p:sld>
+</file>
+
+<file path=ppt/slides/slide12.xml><?xml version="1.0" encoding="utf-8"?>
+<p:sld xmlns:a="http://schemas.openxmlformats.org/drawingml/2006/main" xmlns:r="http://schemas.openxmlformats.org/officeDocument/2006/relationships" xmlns:p="http://schemas.openxmlformats.org/presentationml/2006/main">
+  <p:cSld>
+    <p:spTree>
+      <p:nvGrpSpPr>
+        <p:cNvPr id="1" name=""/>
+        <p:cNvGrpSpPr/>
+        <p:nvPr/>
+      </p:nvGrpSpPr>
+      <p:grpSpPr>
+        <a:xfrm>
+          <a:off x="0" y="0"/>
+          <a:ext cx="0" cy="0"/>
+          <a:chOff x="0" y="0"/>
+          <a:chExt cx="0" cy="0"/>
+        </a:xfrm>
+      </p:grpSpPr>
+      <p:sp>
+        <p:nvSpPr>
           <p:cNvPr id="4" name="Text Placeholder 3"/>
           <p:cNvSpPr>
             <a:spLocks noGrp="1"/>
@@ -11997,7 +12563,7 @@
         <p:spPr>
           <a:xfrm>
             <a:off x="971600" y="1923678"/>
-            <a:ext cx="7920880" cy="1938992"/>
+            <a:ext cx="7920880" cy="2677656"/>
           </a:xfrm>
           <a:prstGeom prst="rect">
             <a:avLst/>
@@ -12035,8 +12601,22 @@
           <a:p>
             <a:r>
               <a:rPr lang="en-US" sz="2400" dirty="0" smtClean="0"/>
-              <a:t>Optimizer 		     Adam Optimizer</a:t>
-            </a:r>
+              <a:t>Optimizer 		     Adam </a:t>
+            </a:r>
+            <a:r>
+              <a:rPr lang="en-US" sz="2400" dirty="0" smtClean="0"/>
+              <a:t>Optimizer</a:t>
+            </a:r>
+          </a:p>
+          <a:p>
+            <a:endParaRPr lang="en-US" sz="2400" dirty="0"/>
+          </a:p>
+          <a:p>
+            <a:r>
+              <a:rPr lang="en-US" sz="2400" dirty="0" smtClean="0"/>
+              <a:t>Regularization 		  Dropout</a:t>
+            </a:r>
+            <a:endParaRPr lang="en-US" sz="2400" dirty="0" smtClean="0"/>
           </a:p>
         </p:txBody>
       </p:sp>
@@ -12097,7 +12677,7 @@
         </p:nvSpPr>
         <p:spPr>
           <a:xfrm>
-            <a:off x="2699792" y="3435846"/>
+            <a:off x="3403267" y="4225322"/>
             <a:ext cx="1152128" cy="360040"/>
           </a:xfrm>
           <a:prstGeom prst="rightArrow">
@@ -12187,6 +12767,55 @@
           </a:p>
         </p:txBody>
       </p:sp>
+      <p:sp>
+        <p:nvSpPr>
+          <p:cNvPr id="11" name="Right Arrow 10"/>
+          <p:cNvSpPr/>
+          <p:nvPr/>
+        </p:nvSpPr>
+        <p:spPr>
+          <a:xfrm>
+            <a:off x="2826816" y="3469238"/>
+            <a:ext cx="1152128" cy="360040"/>
+          </a:xfrm>
+          <a:prstGeom prst="rightArrow">
+            <a:avLst/>
+          </a:prstGeom>
+          <a:solidFill>
+            <a:schemeClr val="tx1">
+              <a:lumMod val="75000"/>
+              <a:lumOff val="25000"/>
+            </a:schemeClr>
+          </a:solidFill>
+          <a:ln>
+            <a:noFill/>
+          </a:ln>
+        </p:spPr>
+        <p:style>
+          <a:lnRef idx="2">
+            <a:schemeClr val="accent1">
+              <a:shade val="50000"/>
+            </a:schemeClr>
+          </a:lnRef>
+          <a:fillRef idx="1">
+            <a:schemeClr val="accent1"/>
+          </a:fillRef>
+          <a:effectRef idx="0">
+            <a:schemeClr val="accent1"/>
+          </a:effectRef>
+          <a:fontRef idx="minor">
+            <a:schemeClr val="lt1"/>
+          </a:fontRef>
+        </p:style>
+        <p:txBody>
+          <a:bodyPr rtlCol="0" anchor="ctr"/>
+          <a:lstStyle/>
+          <a:p>
+            <a:pPr algn="ctr"/>
+            <a:endParaRPr lang="en-US"/>
+          </a:p>
+        </p:txBody>
+      </p:sp>
     </p:spTree>
     <p:extLst>
       <p:ext uri="{BB962C8B-B14F-4D97-AF65-F5344CB8AC3E}">
@@ -12207,7 +12836,7 @@
 </p:sld>
 </file>
 
-<file path=ppt/slides/slide11.xml><?xml version="1.0" encoding="utf-8"?>
+<file path=ppt/slides/slide13.xml><?xml version="1.0" encoding="utf-8"?>
 <p:sld xmlns:a="http://schemas.openxmlformats.org/drawingml/2006/main" xmlns:r="http://schemas.openxmlformats.org/officeDocument/2006/relationships" xmlns:p="http://schemas.openxmlformats.org/presentationml/2006/main">
   <p:cSld>
     <p:spTree>
@@ -12300,7 +12929,7 @@
 </p:sld>
 </file>
 
-<file path=ppt/slides/slide12.xml><?xml version="1.0" encoding="utf-8"?>
+<file path=ppt/slides/slide14.xml><?xml version="1.0" encoding="utf-8"?>
 <p:sld xmlns:a="http://schemas.openxmlformats.org/drawingml/2006/main" xmlns:r="http://schemas.openxmlformats.org/officeDocument/2006/relationships" xmlns:p="http://schemas.openxmlformats.org/presentationml/2006/main">
   <p:cSld>
     <p:spTree>
@@ -12546,11 +13175,6 @@
               </a:rPr>
               <a:t>.</a:t>
             </a:r>
-            <a:endParaRPr lang="en-US" b="1" dirty="0">
-              <a:solidFill>
-                <a:schemeClr val="bg1"/>
-              </a:solidFill>
-            </a:endParaRPr>
           </a:p>
         </p:txBody>
       </p:sp>
@@ -12574,7 +13198,7 @@
 </p:sld>
 </file>
 
-<file path=ppt/slides/slide13.xml><?xml version="1.0" encoding="utf-8"?>
+<file path=ppt/slides/slide15.xml><?xml version="1.0" encoding="utf-8"?>
 <p:sld xmlns:a="http://schemas.openxmlformats.org/drawingml/2006/main" xmlns:r="http://schemas.openxmlformats.org/officeDocument/2006/relationships" xmlns:p="http://schemas.openxmlformats.org/presentationml/2006/main">
   <p:cSld>
     <p:spTree>
@@ -12803,7 +13427,7 @@
 </p:sld>
 </file>
 
-<file path=ppt/slides/slide14.xml><?xml version="1.0" encoding="utf-8"?>
+<file path=ppt/slides/slide16.xml><?xml version="1.0" encoding="utf-8"?>
 <p:sld xmlns:a="http://schemas.openxmlformats.org/drawingml/2006/main" xmlns:r="http://schemas.openxmlformats.org/officeDocument/2006/relationships" xmlns:p="http://schemas.openxmlformats.org/presentationml/2006/main">
   <p:cSld>
     <p:spTree>
@@ -12969,7 +13593,7 @@
 </p:sld>
 </file>
 
-<file path=ppt/slides/slide15.xml><?xml version="1.0" encoding="utf-8"?>
+<file path=ppt/slides/slide17.xml><?xml version="1.0" encoding="utf-8"?>
 <p:sld xmlns:a="http://schemas.openxmlformats.org/drawingml/2006/main" xmlns:r="http://schemas.openxmlformats.org/officeDocument/2006/relationships" xmlns:p="http://schemas.openxmlformats.org/presentationml/2006/main">
   <p:cSld>
     <p:spTree>
@@ -13160,7 +13784,7 @@
 </p:sld>
 </file>
 
-<file path=ppt/slides/slide16.xml><?xml version="1.0" encoding="utf-8"?>
+<file path=ppt/slides/slide18.xml><?xml version="1.0" encoding="utf-8"?>
 <p:sld xmlns:a="http://schemas.openxmlformats.org/drawingml/2006/main" xmlns:r="http://schemas.openxmlformats.org/officeDocument/2006/relationships" xmlns:p="http://schemas.openxmlformats.org/presentationml/2006/main">
   <p:cSld>
     <p:spTree>
@@ -13315,11 +13939,7 @@
             </a:r>
             <a:r>
               <a:rPr lang="en-US" sz="2000" i="1" dirty="0" smtClean="0"/>
-              <a:t>   </a:t>
-            </a:r>
-            <a:r>
-              <a:rPr lang="en-US" sz="2000" i="1" dirty="0" smtClean="0"/>
-              <a:t>gradient </a:t>
+              <a:t>   gradient </a:t>
             </a:r>
             <a:r>
               <a:rPr lang="en-US" sz="2000" i="1" dirty="0"/>
@@ -13355,7 +13975,7 @@
 </p:sld>
 </file>
 
-<file path=ppt/slides/slide17.xml><?xml version="1.0" encoding="utf-8"?>
+<file path=ppt/slides/slide19.xml><?xml version="1.0" encoding="utf-8"?>
 <p:sld xmlns:a="http://schemas.openxmlformats.org/drawingml/2006/main" xmlns:r="http://schemas.openxmlformats.org/officeDocument/2006/relationships" xmlns:p="http://schemas.openxmlformats.org/presentationml/2006/main">
   <p:cSld>
     <p:spTree>
@@ -13605,334 +14225,6 @@
     <p:extLst>
       <p:ext uri="{BB962C8B-B14F-4D97-AF65-F5344CB8AC3E}">
         <p14:creationId xmlns:p14="http://schemas.microsoft.com/office/powerpoint/2010/main" val="3662658538"/>
-      </p:ext>
-    </p:extLst>
-  </p:cSld>
-  <p:clrMapOvr>
-    <a:masterClrMapping/>
-  </p:clrMapOvr>
-  <p:timing>
-    <p:tnLst>
-      <p:par>
-        <p:cTn id="1" dur="indefinite" restart="never" nodeType="tmRoot"/>
-      </p:par>
-    </p:tnLst>
-  </p:timing>
-</p:sld>
-</file>
-
-<file path=ppt/slides/slide18.xml><?xml version="1.0" encoding="utf-8"?>
-<p:sld xmlns:a="http://schemas.openxmlformats.org/drawingml/2006/main" xmlns:r="http://schemas.openxmlformats.org/officeDocument/2006/relationships" xmlns:p="http://schemas.openxmlformats.org/presentationml/2006/main">
-  <p:cSld>
-    <p:spTree>
-      <p:nvGrpSpPr>
-        <p:cNvPr id="1" name=""/>
-        <p:cNvGrpSpPr/>
-        <p:nvPr/>
-      </p:nvGrpSpPr>
-      <p:grpSpPr>
-        <a:xfrm>
-          <a:off x="0" y="0"/>
-          <a:ext cx="0" cy="0"/>
-          <a:chOff x="0" y="0"/>
-          <a:chExt cx="0" cy="0"/>
-        </a:xfrm>
-      </p:grpSpPr>
-      <p:sp>
-        <p:nvSpPr>
-          <p:cNvPr id="3" name="Text Placeholder 2"/>
-          <p:cNvSpPr>
-            <a:spLocks noGrp="1"/>
-          </p:cNvSpPr>
-          <p:nvPr>
-            <p:ph type="body" sz="quarter" idx="10"/>
-          </p:nvPr>
-        </p:nvSpPr>
-        <p:spPr>
-          <a:xfrm>
-            <a:off x="3851920" y="1203598"/>
-            <a:ext cx="2808312" cy="576064"/>
-          </a:xfrm>
-        </p:spPr>
-        <p:txBody>
-          <a:bodyPr/>
-          <a:lstStyle/>
-          <a:p>
-            <a:r>
-              <a:rPr lang="en-US" b="1" dirty="0" smtClean="0">
-                <a:solidFill>
-                  <a:schemeClr val="accent1">
-                    <a:lumMod val="75000"/>
-                  </a:schemeClr>
-                </a:solidFill>
-              </a:rPr>
-              <a:t>GitHub Link</a:t>
-            </a:r>
-            <a:endParaRPr lang="en-US" b="1" dirty="0">
-              <a:solidFill>
-                <a:schemeClr val="accent1">
-                  <a:lumMod val="75000"/>
-                </a:schemeClr>
-              </a:solidFill>
-            </a:endParaRPr>
-          </a:p>
-        </p:txBody>
-      </p:sp>
-      <p:sp>
-        <p:nvSpPr>
-          <p:cNvPr id="5" name="TextBox 4">
-            <a:extLst>
-              <a:ext uri="{FF2B5EF4-FFF2-40B4-BE49-F238E27FC236}">
-                <a16:creationId xmlns:a16="http://schemas.microsoft.com/office/drawing/2014/main" id="{928A6B19-CB6F-4085-9D10-A1C8946DD40E}"/>
-              </a:ext>
-            </a:extLst>
-          </p:cNvPr>
-          <p:cNvSpPr txBox="1"/>
-          <p:nvPr/>
-        </p:nvSpPr>
-        <p:spPr>
-          <a:xfrm>
-            <a:off x="2051720" y="2355726"/>
-            <a:ext cx="6388680" cy="369332"/>
-          </a:xfrm>
-          <a:prstGeom prst="rect">
-            <a:avLst/>
-          </a:prstGeom>
-          <a:noFill/>
-        </p:spPr>
-        <p:txBody>
-          <a:bodyPr wrap="square" rtlCol="0">
-            <a:spAutoFit/>
-          </a:bodyPr>
-          <a:lstStyle/>
-          <a:p>
-            <a:r>
-              <a:rPr lang="en-US" b="1" dirty="0">
-                <a:solidFill>
-                  <a:schemeClr val="tx2">
-                    <a:lumMod val="60000"/>
-                    <a:lumOff val="40000"/>
-                  </a:schemeClr>
-                </a:solidFill>
-                <a:latin typeface="Bahnschrift Light" panose="020B0502040204020203" pitchFamily="34" charset="0"/>
-              </a:rPr>
-              <a:t>https://github.com/OahidZihad/CSE465-</a:t>
-            </a:r>
-            <a:r>
-              <a:rPr lang="en-US" dirty="0">
-                <a:solidFill>
-                  <a:schemeClr val="tx2">
-                    <a:lumMod val="60000"/>
-                    <a:lumOff val="40000"/>
-                  </a:schemeClr>
-                </a:solidFill>
-                <a:latin typeface="Bahnschrift Light" panose="020B0502040204020203" pitchFamily="34" charset="0"/>
-              </a:rPr>
-              <a:t>T</a:t>
-            </a:r>
-            <a:r>
-              <a:rPr lang="en-US" b="1" dirty="0">
-                <a:solidFill>
-                  <a:schemeClr val="tx2">
-                    <a:lumMod val="60000"/>
-                    <a:lumOff val="40000"/>
-                  </a:schemeClr>
-                </a:solidFill>
-                <a:latin typeface="Bahnschrift Light" panose="020B0502040204020203" pitchFamily="34" charset="0"/>
-              </a:rPr>
-              <a:t>V-Script-Generator</a:t>
-            </a:r>
-          </a:p>
-        </p:txBody>
-      </p:sp>
-      <p:sp>
-        <p:nvSpPr>
-          <p:cNvPr id="6" name="Chevron 5"/>
-          <p:cNvSpPr/>
-          <p:nvPr/>
-        </p:nvSpPr>
-        <p:spPr>
-          <a:xfrm>
-            <a:off x="8172400" y="2144348"/>
-            <a:ext cx="648072" cy="792088"/>
-          </a:xfrm>
-          <a:prstGeom prst="chevron">
-            <a:avLst/>
-          </a:prstGeom>
-          <a:ln/>
-        </p:spPr>
-        <p:style>
-          <a:lnRef idx="2">
-            <a:schemeClr val="accent1"/>
-          </a:lnRef>
-          <a:fillRef idx="1">
-            <a:schemeClr val="lt1"/>
-          </a:fillRef>
-          <a:effectRef idx="0">
-            <a:schemeClr val="accent1"/>
-          </a:effectRef>
-          <a:fontRef idx="minor">
-            <a:schemeClr val="dk1"/>
-          </a:fontRef>
-        </p:style>
-        <p:txBody>
-          <a:bodyPr rtlCol="0" anchor="ctr"/>
-          <a:lstStyle/>
-          <a:p>
-            <a:pPr algn="ctr"/>
-            <a:endParaRPr lang="en-US">
-              <a:solidFill>
-                <a:schemeClr val="tx1"/>
-              </a:solidFill>
-            </a:endParaRPr>
-          </a:p>
-        </p:txBody>
-      </p:sp>
-      <p:sp>
-        <p:nvSpPr>
-          <p:cNvPr id="7" name="Chevron 6"/>
-          <p:cNvSpPr/>
-          <p:nvPr/>
-        </p:nvSpPr>
-        <p:spPr>
-          <a:xfrm flipH="1">
-            <a:off x="1671648" y="2144348"/>
-            <a:ext cx="556032" cy="792088"/>
-          </a:xfrm>
-          <a:prstGeom prst="chevron">
-            <a:avLst/>
-          </a:prstGeom>
-          <a:ln/>
-        </p:spPr>
-        <p:style>
-          <a:lnRef idx="2">
-            <a:schemeClr val="accent1"/>
-          </a:lnRef>
-          <a:fillRef idx="1">
-            <a:schemeClr val="lt1"/>
-          </a:fillRef>
-          <a:effectRef idx="0">
-            <a:schemeClr val="accent1"/>
-          </a:effectRef>
-          <a:fontRef idx="minor">
-            <a:schemeClr val="dk1"/>
-          </a:fontRef>
-        </p:style>
-        <p:txBody>
-          <a:bodyPr rtlCol="0" anchor="ctr"/>
-          <a:lstStyle/>
-          <a:p>
-            <a:pPr algn="ctr"/>
-            <a:endParaRPr lang="en-US">
-              <a:solidFill>
-                <a:schemeClr val="accent1">
-                  <a:lumMod val="75000"/>
-                </a:schemeClr>
-              </a:solidFill>
-            </a:endParaRPr>
-          </a:p>
-        </p:txBody>
-      </p:sp>
-    </p:spTree>
-    <p:extLst>
-      <p:ext uri="{BB962C8B-B14F-4D97-AF65-F5344CB8AC3E}">
-        <p14:creationId xmlns:p14="http://schemas.microsoft.com/office/powerpoint/2010/main" val="1635837418"/>
-      </p:ext>
-    </p:extLst>
-  </p:cSld>
-  <p:clrMapOvr>
-    <a:masterClrMapping/>
-  </p:clrMapOvr>
-  <p:timing>
-    <p:tnLst>
-      <p:par>
-        <p:cTn id="1" dur="indefinite" restart="never" nodeType="tmRoot"/>
-      </p:par>
-    </p:tnLst>
-  </p:timing>
-</p:sld>
-</file>
-
-<file path=ppt/slides/slide19.xml><?xml version="1.0" encoding="utf-8"?>
-<p:sld xmlns:a="http://schemas.openxmlformats.org/drawingml/2006/main" xmlns:r="http://schemas.openxmlformats.org/officeDocument/2006/relationships" xmlns:p="http://schemas.openxmlformats.org/presentationml/2006/main">
-  <p:cSld>
-    <p:spTree>
-      <p:nvGrpSpPr>
-        <p:cNvPr id="1" name=""/>
-        <p:cNvGrpSpPr/>
-        <p:nvPr/>
-      </p:nvGrpSpPr>
-      <p:grpSpPr>
-        <a:xfrm>
-          <a:off x="0" y="0"/>
-          <a:ext cx="0" cy="0"/>
-          <a:chOff x="0" y="0"/>
-          <a:chExt cx="0" cy="0"/>
-        </a:xfrm>
-      </p:grpSpPr>
-      <p:sp>
-        <p:nvSpPr>
-          <p:cNvPr id="2" name="Text Placeholder 1"/>
-          <p:cNvSpPr>
-            <a:spLocks noGrp="1"/>
-          </p:cNvSpPr>
-          <p:nvPr>
-            <p:ph type="body" sz="quarter" idx="4294967295"/>
-          </p:nvPr>
-        </p:nvSpPr>
-        <p:spPr>
-          <a:xfrm>
-            <a:off x="2843808" y="2283718"/>
-            <a:ext cx="3470076" cy="576063"/>
-          </a:xfrm>
-          <a:prstGeom prst="rect">
-            <a:avLst/>
-          </a:prstGeom>
-        </p:spPr>
-        <p:txBody>
-          <a:bodyPr/>
-          <a:lstStyle/>
-          <a:p>
-            <a:pPr marL="0" indent="0" algn="ctr">
-              <a:buNone/>
-            </a:pPr>
-            <a:r>
-              <a:rPr lang="en-US" altLang="ko-KR" sz="4000" b="1" dirty="0">
-                <a:solidFill>
-                  <a:schemeClr val="accent1">
-                    <a:lumMod val="75000"/>
-                  </a:schemeClr>
-                </a:solidFill>
-                <a:latin typeface="+mj-lt"/>
-              </a:rPr>
-              <a:t>Thank </a:t>
-            </a:r>
-            <a:r>
-              <a:rPr lang="en-US" altLang="ko-KR" sz="4000" b="1" dirty="0" smtClean="0">
-                <a:solidFill>
-                  <a:schemeClr val="accent1">
-                    <a:lumMod val="75000"/>
-                  </a:schemeClr>
-                </a:solidFill>
-                <a:latin typeface="+mj-lt"/>
-              </a:rPr>
-              <a:t>You</a:t>
-            </a:r>
-            <a:endParaRPr lang="ko-KR" altLang="en-US" sz="4000" b="1" dirty="0">
-              <a:solidFill>
-                <a:schemeClr val="accent1">
-                  <a:lumMod val="75000"/>
-                </a:schemeClr>
-              </a:solidFill>
-              <a:latin typeface="+mj-lt"/>
-            </a:endParaRPr>
-          </a:p>
-        </p:txBody>
-      </p:sp>
-    </p:spTree>
-    <p:extLst>
-      <p:ext uri="{BB962C8B-B14F-4D97-AF65-F5344CB8AC3E}">
-        <p14:creationId xmlns:p14="http://schemas.microsoft.com/office/powerpoint/2010/main" val="61455909"/>
       </p:ext>
     </p:extLst>
   </p:cSld>
@@ -14859,6 +15151,334 @@
     <p:extLst>
       <p:ext uri="{BB962C8B-B14F-4D97-AF65-F5344CB8AC3E}">
         <p14:creationId xmlns:p14="http://schemas.microsoft.com/office/powerpoint/2010/main" val="909866682"/>
+      </p:ext>
+    </p:extLst>
+  </p:cSld>
+  <p:clrMapOvr>
+    <a:masterClrMapping/>
+  </p:clrMapOvr>
+  <p:timing>
+    <p:tnLst>
+      <p:par>
+        <p:cTn id="1" dur="indefinite" restart="never" nodeType="tmRoot"/>
+      </p:par>
+    </p:tnLst>
+  </p:timing>
+</p:sld>
+</file>
+
+<file path=ppt/slides/slide20.xml><?xml version="1.0" encoding="utf-8"?>
+<p:sld xmlns:a="http://schemas.openxmlformats.org/drawingml/2006/main" xmlns:r="http://schemas.openxmlformats.org/officeDocument/2006/relationships" xmlns:p="http://schemas.openxmlformats.org/presentationml/2006/main">
+  <p:cSld>
+    <p:spTree>
+      <p:nvGrpSpPr>
+        <p:cNvPr id="1" name=""/>
+        <p:cNvGrpSpPr/>
+        <p:nvPr/>
+      </p:nvGrpSpPr>
+      <p:grpSpPr>
+        <a:xfrm>
+          <a:off x="0" y="0"/>
+          <a:ext cx="0" cy="0"/>
+          <a:chOff x="0" y="0"/>
+          <a:chExt cx="0" cy="0"/>
+        </a:xfrm>
+      </p:grpSpPr>
+      <p:sp>
+        <p:nvSpPr>
+          <p:cNvPr id="3" name="Text Placeholder 2"/>
+          <p:cNvSpPr>
+            <a:spLocks noGrp="1"/>
+          </p:cNvSpPr>
+          <p:nvPr>
+            <p:ph type="body" sz="quarter" idx="10"/>
+          </p:nvPr>
+        </p:nvSpPr>
+        <p:spPr>
+          <a:xfrm>
+            <a:off x="3851920" y="1203598"/>
+            <a:ext cx="2808312" cy="576064"/>
+          </a:xfrm>
+        </p:spPr>
+        <p:txBody>
+          <a:bodyPr/>
+          <a:lstStyle/>
+          <a:p>
+            <a:r>
+              <a:rPr lang="en-US" b="1" dirty="0" smtClean="0">
+                <a:solidFill>
+                  <a:schemeClr val="accent1">
+                    <a:lumMod val="75000"/>
+                  </a:schemeClr>
+                </a:solidFill>
+              </a:rPr>
+              <a:t>GitHub Link</a:t>
+            </a:r>
+            <a:endParaRPr lang="en-US" b="1" dirty="0">
+              <a:solidFill>
+                <a:schemeClr val="accent1">
+                  <a:lumMod val="75000"/>
+                </a:schemeClr>
+              </a:solidFill>
+            </a:endParaRPr>
+          </a:p>
+        </p:txBody>
+      </p:sp>
+      <p:sp>
+        <p:nvSpPr>
+          <p:cNvPr id="5" name="TextBox 4">
+            <a:extLst>
+              <a:ext uri="{FF2B5EF4-FFF2-40B4-BE49-F238E27FC236}">
+                <a16:creationId xmlns:a16="http://schemas.microsoft.com/office/drawing/2014/main" id="{928A6B19-CB6F-4085-9D10-A1C8946DD40E}"/>
+              </a:ext>
+            </a:extLst>
+          </p:cNvPr>
+          <p:cNvSpPr txBox="1"/>
+          <p:nvPr/>
+        </p:nvSpPr>
+        <p:spPr>
+          <a:xfrm>
+            <a:off x="2051720" y="2355726"/>
+            <a:ext cx="6388680" cy="369332"/>
+          </a:xfrm>
+          <a:prstGeom prst="rect">
+            <a:avLst/>
+          </a:prstGeom>
+          <a:noFill/>
+        </p:spPr>
+        <p:txBody>
+          <a:bodyPr wrap="square" rtlCol="0">
+            <a:spAutoFit/>
+          </a:bodyPr>
+          <a:lstStyle/>
+          <a:p>
+            <a:r>
+              <a:rPr lang="en-US" b="1" dirty="0">
+                <a:solidFill>
+                  <a:schemeClr val="tx2">
+                    <a:lumMod val="60000"/>
+                    <a:lumOff val="40000"/>
+                  </a:schemeClr>
+                </a:solidFill>
+                <a:latin typeface="Bahnschrift Light" panose="020B0502040204020203" pitchFamily="34" charset="0"/>
+              </a:rPr>
+              <a:t>https://github.com/OahidZihad/CSE465-</a:t>
+            </a:r>
+            <a:r>
+              <a:rPr lang="en-US" dirty="0">
+                <a:solidFill>
+                  <a:schemeClr val="tx2">
+                    <a:lumMod val="60000"/>
+                    <a:lumOff val="40000"/>
+                  </a:schemeClr>
+                </a:solidFill>
+                <a:latin typeface="Bahnschrift Light" panose="020B0502040204020203" pitchFamily="34" charset="0"/>
+              </a:rPr>
+              <a:t>T</a:t>
+            </a:r>
+            <a:r>
+              <a:rPr lang="en-US" b="1" dirty="0">
+                <a:solidFill>
+                  <a:schemeClr val="tx2">
+                    <a:lumMod val="60000"/>
+                    <a:lumOff val="40000"/>
+                  </a:schemeClr>
+                </a:solidFill>
+                <a:latin typeface="Bahnschrift Light" panose="020B0502040204020203" pitchFamily="34" charset="0"/>
+              </a:rPr>
+              <a:t>V-Script-Generator</a:t>
+            </a:r>
+          </a:p>
+        </p:txBody>
+      </p:sp>
+      <p:sp>
+        <p:nvSpPr>
+          <p:cNvPr id="6" name="Chevron 5"/>
+          <p:cNvSpPr/>
+          <p:nvPr/>
+        </p:nvSpPr>
+        <p:spPr>
+          <a:xfrm>
+            <a:off x="8172400" y="2144348"/>
+            <a:ext cx="648072" cy="792088"/>
+          </a:xfrm>
+          <a:prstGeom prst="chevron">
+            <a:avLst/>
+          </a:prstGeom>
+          <a:ln/>
+        </p:spPr>
+        <p:style>
+          <a:lnRef idx="2">
+            <a:schemeClr val="accent1"/>
+          </a:lnRef>
+          <a:fillRef idx="1">
+            <a:schemeClr val="lt1"/>
+          </a:fillRef>
+          <a:effectRef idx="0">
+            <a:schemeClr val="accent1"/>
+          </a:effectRef>
+          <a:fontRef idx="minor">
+            <a:schemeClr val="dk1"/>
+          </a:fontRef>
+        </p:style>
+        <p:txBody>
+          <a:bodyPr rtlCol="0" anchor="ctr"/>
+          <a:lstStyle/>
+          <a:p>
+            <a:pPr algn="ctr"/>
+            <a:endParaRPr lang="en-US">
+              <a:solidFill>
+                <a:schemeClr val="tx1"/>
+              </a:solidFill>
+            </a:endParaRPr>
+          </a:p>
+        </p:txBody>
+      </p:sp>
+      <p:sp>
+        <p:nvSpPr>
+          <p:cNvPr id="7" name="Chevron 6"/>
+          <p:cNvSpPr/>
+          <p:nvPr/>
+        </p:nvSpPr>
+        <p:spPr>
+          <a:xfrm flipH="1">
+            <a:off x="1671648" y="2144348"/>
+            <a:ext cx="556032" cy="792088"/>
+          </a:xfrm>
+          <a:prstGeom prst="chevron">
+            <a:avLst/>
+          </a:prstGeom>
+          <a:ln/>
+        </p:spPr>
+        <p:style>
+          <a:lnRef idx="2">
+            <a:schemeClr val="accent1"/>
+          </a:lnRef>
+          <a:fillRef idx="1">
+            <a:schemeClr val="lt1"/>
+          </a:fillRef>
+          <a:effectRef idx="0">
+            <a:schemeClr val="accent1"/>
+          </a:effectRef>
+          <a:fontRef idx="minor">
+            <a:schemeClr val="dk1"/>
+          </a:fontRef>
+        </p:style>
+        <p:txBody>
+          <a:bodyPr rtlCol="0" anchor="ctr"/>
+          <a:lstStyle/>
+          <a:p>
+            <a:pPr algn="ctr"/>
+            <a:endParaRPr lang="en-US">
+              <a:solidFill>
+                <a:schemeClr val="accent1">
+                  <a:lumMod val="75000"/>
+                </a:schemeClr>
+              </a:solidFill>
+            </a:endParaRPr>
+          </a:p>
+        </p:txBody>
+      </p:sp>
+    </p:spTree>
+    <p:extLst>
+      <p:ext uri="{BB962C8B-B14F-4D97-AF65-F5344CB8AC3E}">
+        <p14:creationId xmlns:p14="http://schemas.microsoft.com/office/powerpoint/2010/main" val="1635837418"/>
+      </p:ext>
+    </p:extLst>
+  </p:cSld>
+  <p:clrMapOvr>
+    <a:masterClrMapping/>
+  </p:clrMapOvr>
+  <p:timing>
+    <p:tnLst>
+      <p:par>
+        <p:cTn id="1" dur="indefinite" restart="never" nodeType="tmRoot"/>
+      </p:par>
+    </p:tnLst>
+  </p:timing>
+</p:sld>
+</file>
+
+<file path=ppt/slides/slide21.xml><?xml version="1.0" encoding="utf-8"?>
+<p:sld xmlns:a="http://schemas.openxmlformats.org/drawingml/2006/main" xmlns:r="http://schemas.openxmlformats.org/officeDocument/2006/relationships" xmlns:p="http://schemas.openxmlformats.org/presentationml/2006/main">
+  <p:cSld>
+    <p:spTree>
+      <p:nvGrpSpPr>
+        <p:cNvPr id="1" name=""/>
+        <p:cNvGrpSpPr/>
+        <p:nvPr/>
+      </p:nvGrpSpPr>
+      <p:grpSpPr>
+        <a:xfrm>
+          <a:off x="0" y="0"/>
+          <a:ext cx="0" cy="0"/>
+          <a:chOff x="0" y="0"/>
+          <a:chExt cx="0" cy="0"/>
+        </a:xfrm>
+      </p:grpSpPr>
+      <p:sp>
+        <p:nvSpPr>
+          <p:cNvPr id="2" name="Text Placeholder 1"/>
+          <p:cNvSpPr>
+            <a:spLocks noGrp="1"/>
+          </p:cNvSpPr>
+          <p:nvPr>
+            <p:ph type="body" sz="quarter" idx="4294967295"/>
+          </p:nvPr>
+        </p:nvSpPr>
+        <p:spPr>
+          <a:xfrm>
+            <a:off x="2843808" y="2283718"/>
+            <a:ext cx="3470076" cy="576063"/>
+          </a:xfrm>
+          <a:prstGeom prst="rect">
+            <a:avLst/>
+          </a:prstGeom>
+        </p:spPr>
+        <p:txBody>
+          <a:bodyPr/>
+          <a:lstStyle/>
+          <a:p>
+            <a:pPr marL="0" indent="0" algn="ctr">
+              <a:buNone/>
+            </a:pPr>
+            <a:r>
+              <a:rPr lang="en-US" altLang="ko-KR" sz="4000" b="1" dirty="0">
+                <a:solidFill>
+                  <a:schemeClr val="accent1">
+                    <a:lumMod val="75000"/>
+                  </a:schemeClr>
+                </a:solidFill>
+                <a:latin typeface="+mj-lt"/>
+              </a:rPr>
+              <a:t>Thank </a:t>
+            </a:r>
+            <a:r>
+              <a:rPr lang="en-US" altLang="ko-KR" sz="4000" b="1" dirty="0" smtClean="0">
+                <a:solidFill>
+                  <a:schemeClr val="accent1">
+                    <a:lumMod val="75000"/>
+                  </a:schemeClr>
+                </a:solidFill>
+                <a:latin typeface="+mj-lt"/>
+              </a:rPr>
+              <a:t>You</a:t>
+            </a:r>
+            <a:endParaRPr lang="ko-KR" altLang="en-US" sz="4000" b="1" dirty="0">
+              <a:solidFill>
+                <a:schemeClr val="accent1">
+                  <a:lumMod val="75000"/>
+                </a:schemeClr>
+              </a:solidFill>
+              <a:latin typeface="+mj-lt"/>
+            </a:endParaRPr>
+          </a:p>
+        </p:txBody>
+      </p:sp>
+    </p:spTree>
+    <p:extLst>
+      <p:ext uri="{BB962C8B-B14F-4D97-AF65-F5344CB8AC3E}">
+        <p14:creationId xmlns:p14="http://schemas.microsoft.com/office/powerpoint/2010/main" val="61455909"/>
       </p:ext>
     </p:extLst>
   </p:cSld>
@@ -17346,6 +17966,139 @@
 </file>
 
 <file path=ppt/slides/slide6.xml><?xml version="1.0" encoding="utf-8"?>
+<p:sld xmlns:a="http://schemas.openxmlformats.org/drawingml/2006/main" xmlns:r="http://schemas.openxmlformats.org/officeDocument/2006/relationships" xmlns:p="http://schemas.openxmlformats.org/presentationml/2006/main">
+  <p:cSld>
+    <p:spTree>
+      <p:nvGrpSpPr>
+        <p:cNvPr id="1" name=""/>
+        <p:cNvGrpSpPr/>
+        <p:nvPr/>
+      </p:nvGrpSpPr>
+      <p:grpSpPr>
+        <a:xfrm>
+          <a:off x="0" y="0"/>
+          <a:ext cx="0" cy="0"/>
+          <a:chOff x="0" y="0"/>
+          <a:chExt cx="0" cy="0"/>
+        </a:xfrm>
+      </p:grpSpPr>
+      <p:sp>
+        <p:nvSpPr>
+          <p:cNvPr id="4" name="Text Placeholder 3"/>
+          <p:cNvSpPr>
+            <a:spLocks noGrp="1"/>
+          </p:cNvSpPr>
+          <p:nvPr>
+            <p:ph type="body" sz="quarter" idx="10"/>
+          </p:nvPr>
+        </p:nvSpPr>
+        <p:spPr>
+          <a:xfrm>
+            <a:off x="1619672" y="339502"/>
+            <a:ext cx="7524328" cy="576064"/>
+          </a:xfrm>
+        </p:spPr>
+        <p:txBody>
+          <a:bodyPr/>
+          <a:lstStyle/>
+          <a:p>
+            <a:r>
+              <a:rPr lang="en-US" dirty="0" smtClean="0">
+                <a:solidFill>
+                  <a:srgbClr val="FF0000"/>
+                </a:solidFill>
+              </a:rPr>
+              <a:t>Embedding Data</a:t>
+            </a:r>
+            <a:endParaRPr lang="en-US" dirty="0">
+              <a:solidFill>
+                <a:srgbClr val="FF0000"/>
+              </a:solidFill>
+            </a:endParaRPr>
+          </a:p>
+        </p:txBody>
+      </p:sp>
+      <p:pic>
+        <p:nvPicPr>
+          <p:cNvPr id="8" name="Picture 7"/>
+          <p:cNvPicPr>
+            <a:picLocks noChangeAspect="1"/>
+          </p:cNvPicPr>
+          <p:nvPr/>
+        </p:nvPicPr>
+        <p:blipFill>
+          <a:blip r:embed="rId2">
+            <a:extLst>
+              <a:ext uri="{28A0092B-C50C-407E-A947-70E740481C1C}">
+                <a14:useLocalDpi xmlns:a14="http://schemas.microsoft.com/office/drawing/2010/main" val="0"/>
+              </a:ext>
+            </a:extLst>
+          </a:blip>
+          <a:stretch>
+            <a:fillRect/>
+          </a:stretch>
+        </p:blipFill>
+        <p:spPr>
+          <a:xfrm>
+            <a:off x="1619672" y="997496"/>
+            <a:ext cx="7524328" cy="4146004"/>
+          </a:xfrm>
+          <a:prstGeom prst="rect">
+            <a:avLst/>
+          </a:prstGeom>
+        </p:spPr>
+      </p:pic>
+      <p:pic>
+        <p:nvPicPr>
+          <p:cNvPr id="9" name="Picture 8"/>
+          <p:cNvPicPr>
+            <a:picLocks noChangeAspect="1"/>
+          </p:cNvPicPr>
+          <p:nvPr/>
+        </p:nvPicPr>
+        <p:blipFill>
+          <a:blip r:embed="rId3">
+            <a:extLst>
+              <a:ext uri="{28A0092B-C50C-407E-A947-70E740481C1C}">
+                <a14:useLocalDpi xmlns:a14="http://schemas.microsoft.com/office/drawing/2010/main" val="0"/>
+              </a:ext>
+            </a:extLst>
+          </a:blip>
+          <a:stretch>
+            <a:fillRect/>
+          </a:stretch>
+        </p:blipFill>
+        <p:spPr>
+          <a:xfrm>
+            <a:off x="4716016" y="915566"/>
+            <a:ext cx="4427984" cy="1162050"/>
+          </a:xfrm>
+          <a:prstGeom prst="rect">
+            <a:avLst/>
+          </a:prstGeom>
+        </p:spPr>
+      </p:pic>
+    </p:spTree>
+    <p:extLst>
+      <p:ext uri="{BB962C8B-B14F-4D97-AF65-F5344CB8AC3E}">
+        <p14:creationId xmlns:p14="http://schemas.microsoft.com/office/powerpoint/2010/main" val="207166731"/>
+      </p:ext>
+    </p:extLst>
+  </p:cSld>
+  <p:clrMapOvr>
+    <a:masterClrMapping/>
+  </p:clrMapOvr>
+  <p:timing>
+    <p:tnLst>
+      <p:par>
+        <p:cTn id="1" dur="indefinite" restart="never" nodeType="tmRoot"/>
+      </p:par>
+    </p:tnLst>
+  </p:timing>
+</p:sld>
+</file>
+
+<file path=ppt/slides/slide7.xml><?xml version="1.0" encoding="utf-8"?>
 <p:sld xmlns:a="http://schemas.openxmlformats.org/drawingml/2006/main" xmlns:r="http://schemas.openxmlformats.org/officeDocument/2006/relationships" xmlns:p="http://schemas.openxmlformats.org/presentationml/2006/main">
   <p:cSld>
     <p:spTree>
@@ -17846,7 +18599,210 @@
 </p:sld>
 </file>
 
-<file path=ppt/slides/slide7.xml><?xml version="1.0" encoding="utf-8"?>
+<file path=ppt/slides/slide8.xml><?xml version="1.0" encoding="utf-8"?>
+<p:sld xmlns:a="http://schemas.openxmlformats.org/drawingml/2006/main" xmlns:r="http://schemas.openxmlformats.org/officeDocument/2006/relationships" xmlns:p="http://schemas.openxmlformats.org/presentationml/2006/main">
+  <p:cSld>
+    <p:spTree>
+      <p:nvGrpSpPr>
+        <p:cNvPr id="1" name=""/>
+        <p:cNvGrpSpPr/>
+        <p:nvPr/>
+      </p:nvGrpSpPr>
+      <p:grpSpPr>
+        <a:xfrm>
+          <a:off x="0" y="0"/>
+          <a:ext cx="0" cy="0"/>
+          <a:chOff x="0" y="0"/>
+          <a:chExt cx="0" cy="0"/>
+        </a:xfrm>
+      </p:grpSpPr>
+      <p:sp>
+        <p:nvSpPr>
+          <p:cNvPr id="2" name="Text Placeholder 1"/>
+          <p:cNvSpPr>
+            <a:spLocks noGrp="1"/>
+          </p:cNvSpPr>
+          <p:nvPr>
+            <p:ph type="body" sz="quarter" idx="10"/>
+          </p:nvPr>
+        </p:nvSpPr>
+        <p:spPr>
+          <a:xfrm>
+            <a:off x="323528" y="195486"/>
+            <a:ext cx="7200800" cy="576064"/>
+          </a:xfrm>
+        </p:spPr>
+        <p:txBody>
+          <a:bodyPr/>
+          <a:lstStyle/>
+          <a:p>
+            <a:r>
+              <a:rPr lang="en-US" dirty="0" smtClean="0"/>
+              <a:t>GPU Availability</a:t>
+            </a:r>
+            <a:endParaRPr lang="en-US" dirty="0"/>
+          </a:p>
+        </p:txBody>
+      </p:sp>
+      <p:pic>
+        <p:nvPicPr>
+          <p:cNvPr id="1026" name="Picture 2" descr="CUDA - Wikipedia"/>
+          <p:cNvPicPr>
+            <a:picLocks noChangeAspect="1" noChangeArrowheads="1"/>
+          </p:cNvPicPr>
+          <p:nvPr/>
+        </p:nvPicPr>
+        <p:blipFill>
+          <a:blip r:embed="rId3">
+            <a:extLst>
+              <a:ext uri="{28A0092B-C50C-407E-A947-70E740481C1C}">
+                <a14:useLocalDpi xmlns:a14="http://schemas.microsoft.com/office/drawing/2010/main" val="0"/>
+              </a:ext>
+            </a:extLst>
+          </a:blip>
+          <a:srcRect/>
+          <a:stretch>
+            <a:fillRect/>
+          </a:stretch>
+        </p:blipFill>
+        <p:spPr bwMode="auto">
+          <a:xfrm>
+            <a:off x="5868144" y="1542838"/>
+            <a:ext cx="3024336" cy="1832480"/>
+          </a:xfrm>
+          <a:prstGeom prst="rect">
+            <a:avLst/>
+          </a:prstGeom>
+          <a:noFill/>
+          <a:extLst>
+            <a:ext uri="{909E8E84-426E-40DD-AFC4-6F175D3DCCD1}">
+              <a14:hiddenFill xmlns:a14="http://schemas.microsoft.com/office/drawing/2010/main">
+                <a:solidFill>
+                  <a:srgbClr val="FFFFFF"/>
+                </a:solidFill>
+              </a14:hiddenFill>
+            </a:ext>
+          </a:extLst>
+        </p:spPr>
+      </p:pic>
+      <p:sp>
+        <p:nvSpPr>
+          <p:cNvPr id="4" name="Rectangle 3"/>
+          <p:cNvSpPr/>
+          <p:nvPr/>
+        </p:nvSpPr>
+        <p:spPr>
+          <a:xfrm>
+            <a:off x="879819" y="2837346"/>
+            <a:ext cx="4752528" cy="707886"/>
+          </a:xfrm>
+          <a:prstGeom prst="rect">
+            <a:avLst/>
+          </a:prstGeom>
+        </p:spPr>
+        <p:txBody>
+          <a:bodyPr wrap="square">
+            <a:spAutoFit/>
+          </a:bodyPr>
+          <a:lstStyle/>
+          <a:p>
+            <a:r>
+              <a:rPr lang="en-US" sz="2000" dirty="0" err="1"/>
+              <a:t>train_on_gpu</a:t>
+            </a:r>
+            <a:r>
+              <a:rPr lang="en-US" sz="2000" dirty="0"/>
+              <a:t> = </a:t>
+            </a:r>
+            <a:r>
+              <a:rPr lang="en-US" sz="2000" dirty="0" err="1"/>
+              <a:t>torch.cuda.is_available</a:t>
+            </a:r>
+            <a:r>
+              <a:rPr lang="en-US" sz="2000" dirty="0"/>
+              <a:t>()</a:t>
+            </a:r>
+          </a:p>
+          <a:p>
+            <a:r>
+              <a:rPr lang="en-US" sz="2000" dirty="0"/>
+              <a:t>print(</a:t>
+            </a:r>
+            <a:r>
+              <a:rPr lang="en-US" sz="2000" dirty="0" err="1"/>
+              <a:t>train_on_gpu</a:t>
+            </a:r>
+            <a:r>
+              <a:rPr lang="en-US" sz="2000" dirty="0"/>
+              <a:t>)</a:t>
+            </a:r>
+          </a:p>
+        </p:txBody>
+      </p:sp>
+      <p:sp>
+        <p:nvSpPr>
+          <p:cNvPr id="5" name="TextBox 4"/>
+          <p:cNvSpPr txBox="1"/>
+          <p:nvPr/>
+        </p:nvSpPr>
+        <p:spPr>
+          <a:xfrm>
+            <a:off x="879819" y="1542838"/>
+            <a:ext cx="3456384" cy="523220"/>
+          </a:xfrm>
+          <a:prstGeom prst="rect">
+            <a:avLst/>
+          </a:prstGeom>
+          <a:noFill/>
+        </p:spPr>
+        <p:txBody>
+          <a:bodyPr wrap="square" rtlCol="0">
+            <a:spAutoFit/>
+          </a:bodyPr>
+          <a:lstStyle/>
+          <a:p>
+            <a:r>
+              <a:rPr lang="en-US" sz="2800" i="1" dirty="0" err="1" smtClean="0">
+                <a:latin typeface="Times New Roman" panose="02020603050405020304" pitchFamily="18" charset="0"/>
+                <a:cs typeface="Times New Roman" panose="02020603050405020304" pitchFamily="18" charset="0"/>
+              </a:rPr>
+              <a:t>Cuda</a:t>
+            </a:r>
+            <a:r>
+              <a:rPr lang="en-US" sz="2800" i="1" dirty="0" smtClean="0">
+                <a:latin typeface="Times New Roman" panose="02020603050405020304" pitchFamily="18" charset="0"/>
+                <a:cs typeface="Times New Roman" panose="02020603050405020304" pitchFamily="18" charset="0"/>
+              </a:rPr>
+              <a:t> Toolkit 10.2</a:t>
+            </a:r>
+            <a:endParaRPr lang="en-US" sz="2800" i="1" dirty="0">
+              <a:latin typeface="Times New Roman" panose="02020603050405020304" pitchFamily="18" charset="0"/>
+              <a:cs typeface="Times New Roman" panose="02020603050405020304" pitchFamily="18" charset="0"/>
+            </a:endParaRPr>
+          </a:p>
+        </p:txBody>
+      </p:sp>
+    </p:spTree>
+    <p:extLst>
+      <p:ext uri="{BB962C8B-B14F-4D97-AF65-F5344CB8AC3E}">
+        <p14:creationId xmlns:p14="http://schemas.microsoft.com/office/powerpoint/2010/main" val="1211121900"/>
+      </p:ext>
+    </p:extLst>
+  </p:cSld>
+  <p:clrMapOvr>
+    <a:masterClrMapping/>
+  </p:clrMapOvr>
+  <p:timing>
+    <p:tnLst>
+      <p:par>
+        <p:cTn id="1" dur="indefinite" restart="never" nodeType="tmRoot"/>
+      </p:par>
+    </p:tnLst>
+  </p:timing>
+</p:sld>
+</file>
+
+<file path=ppt/slides/slide9.xml><?xml version="1.0" encoding="utf-8"?>
 <p:sld xmlns:a="http://schemas.openxmlformats.org/drawingml/2006/main" xmlns:r="http://schemas.openxmlformats.org/officeDocument/2006/relationships" xmlns:p="http://schemas.openxmlformats.org/presentationml/2006/main">
   <p:cSld>
     <p:spTree>
@@ -18487,486 +19443,6 @@
     <p:extLst>
       <p:ext uri="{BB962C8B-B14F-4D97-AF65-F5344CB8AC3E}">
         <p14:creationId xmlns:p14="http://schemas.microsoft.com/office/powerpoint/2010/main" val="2912850787"/>
-      </p:ext>
-    </p:extLst>
-  </p:cSld>
-  <p:clrMapOvr>
-    <a:masterClrMapping/>
-  </p:clrMapOvr>
-  <p:timing>
-    <p:tnLst>
-      <p:par>
-        <p:cTn id="1" dur="indefinite" restart="never" nodeType="tmRoot"/>
-      </p:par>
-    </p:tnLst>
-  </p:timing>
-</p:sld>
-</file>
-
-<file path=ppt/slides/slide8.xml><?xml version="1.0" encoding="utf-8"?>
-<p:sld xmlns:a="http://schemas.openxmlformats.org/drawingml/2006/main" xmlns:r="http://schemas.openxmlformats.org/officeDocument/2006/relationships" xmlns:p="http://schemas.openxmlformats.org/presentationml/2006/main">
-  <p:cSld>
-    <p:spTree>
-      <p:nvGrpSpPr>
-        <p:cNvPr id="1" name=""/>
-        <p:cNvGrpSpPr/>
-        <p:nvPr/>
-      </p:nvGrpSpPr>
-      <p:grpSpPr>
-        <a:xfrm>
-          <a:off x="0" y="0"/>
-          <a:ext cx="0" cy="0"/>
-          <a:chOff x="0" y="0"/>
-          <a:chExt cx="0" cy="0"/>
-        </a:xfrm>
-      </p:grpSpPr>
-      <p:sp>
-        <p:nvSpPr>
-          <p:cNvPr id="6" name="Text Placeholder 5"/>
-          <p:cNvSpPr>
-            <a:spLocks noGrp="1"/>
-          </p:cNvSpPr>
-          <p:nvPr>
-            <p:ph type="body" sz="quarter" idx="10"/>
-          </p:nvPr>
-        </p:nvSpPr>
-        <p:spPr>
-          <a:xfrm>
-            <a:off x="323528" y="216024"/>
-            <a:ext cx="7200800" cy="576064"/>
-          </a:xfrm>
-        </p:spPr>
-        <p:txBody>
-          <a:bodyPr/>
-          <a:lstStyle/>
-          <a:p>
-            <a:r>
-              <a:rPr lang="en-US" dirty="0" smtClean="0"/>
-              <a:t>Network Architecture</a:t>
-            </a:r>
-            <a:endParaRPr lang="en-US" dirty="0"/>
-          </a:p>
-        </p:txBody>
-      </p:sp>
-      <p:pic>
-        <p:nvPicPr>
-          <p:cNvPr id="8" name="Picture 7">
-            <a:extLst>
-              <a:ext uri="{FF2B5EF4-FFF2-40B4-BE49-F238E27FC236}">
-                <a16:creationId xmlns:a16="http://schemas.microsoft.com/office/drawing/2014/main" id="{C9C6BECF-5025-4C47-B97C-87531FDE6959}"/>
-              </a:ext>
-            </a:extLst>
-          </p:cNvPr>
-          <p:cNvPicPr>
-            <a:picLocks noChangeAspect="1"/>
-          </p:cNvPicPr>
-          <p:nvPr/>
-        </p:nvPicPr>
-        <p:blipFill>
-          <a:blip r:embed="rId2">
-            <a:extLst>
-              <a:ext uri="{28A0092B-C50C-407E-A947-70E740481C1C}">
-                <a14:useLocalDpi xmlns:a14="http://schemas.microsoft.com/office/drawing/2010/main" val="0"/>
-              </a:ext>
-            </a:extLst>
-          </a:blip>
-          <a:stretch>
-            <a:fillRect/>
-          </a:stretch>
-        </p:blipFill>
-        <p:spPr>
-          <a:xfrm>
-            <a:off x="0" y="1707654"/>
-            <a:ext cx="4932040" cy="2880320"/>
-          </a:xfrm>
-          <a:prstGeom prst="rect">
-            <a:avLst/>
-          </a:prstGeom>
-        </p:spPr>
-      </p:pic>
-      <p:pic>
-        <p:nvPicPr>
-          <p:cNvPr id="9" name="Picture 8"/>
-          <p:cNvPicPr>
-            <a:picLocks noChangeAspect="1"/>
-          </p:cNvPicPr>
-          <p:nvPr/>
-        </p:nvPicPr>
-        <p:blipFill>
-          <a:blip r:embed="rId3">
-            <a:extLst>
-              <a:ext uri="{28A0092B-C50C-407E-A947-70E740481C1C}">
-                <a14:useLocalDpi xmlns:a14="http://schemas.microsoft.com/office/drawing/2010/main" val="0"/>
-              </a:ext>
-            </a:extLst>
-          </a:blip>
-          <a:stretch>
-            <a:fillRect/>
-          </a:stretch>
-        </p:blipFill>
-        <p:spPr>
-          <a:xfrm>
-            <a:off x="4788024" y="1059582"/>
-            <a:ext cx="4283967" cy="4083918"/>
-          </a:xfrm>
-          <a:prstGeom prst="rect">
-            <a:avLst/>
-          </a:prstGeom>
-        </p:spPr>
-      </p:pic>
-    </p:spTree>
-    <p:extLst>
-      <p:ext uri="{BB962C8B-B14F-4D97-AF65-F5344CB8AC3E}">
-        <p14:creationId xmlns:p14="http://schemas.microsoft.com/office/powerpoint/2010/main" val="522716131"/>
-      </p:ext>
-    </p:extLst>
-  </p:cSld>
-  <p:clrMapOvr>
-    <a:masterClrMapping/>
-  </p:clrMapOvr>
-  <p:timing>
-    <p:tnLst>
-      <p:par>
-        <p:cTn id="1" dur="indefinite" restart="never" nodeType="tmRoot"/>
-      </p:par>
-    </p:tnLst>
-  </p:timing>
-</p:sld>
-</file>
-
-<file path=ppt/slides/slide9.xml><?xml version="1.0" encoding="utf-8"?>
-<p:sld xmlns:a="http://schemas.openxmlformats.org/drawingml/2006/main" xmlns:r="http://schemas.openxmlformats.org/officeDocument/2006/relationships" xmlns:p="http://schemas.openxmlformats.org/presentationml/2006/main">
-  <p:cSld>
-    <p:spTree>
-      <p:nvGrpSpPr>
-        <p:cNvPr id="1" name=""/>
-        <p:cNvGrpSpPr/>
-        <p:nvPr/>
-      </p:nvGrpSpPr>
-      <p:grpSpPr>
-        <a:xfrm>
-          <a:off x="0" y="0"/>
-          <a:ext cx="0" cy="0"/>
-          <a:chOff x="0" y="0"/>
-          <a:chExt cx="0" cy="0"/>
-        </a:xfrm>
-      </p:grpSpPr>
-      <p:sp>
-        <p:nvSpPr>
-          <p:cNvPr id="6" name="Text Placeholder 5"/>
-          <p:cNvSpPr>
-            <a:spLocks noGrp="1"/>
-          </p:cNvSpPr>
-          <p:nvPr>
-            <p:ph type="body" sz="quarter" idx="10"/>
-          </p:nvPr>
-        </p:nvSpPr>
-        <p:spPr>
-          <a:xfrm>
-            <a:off x="1619672" y="339502"/>
-            <a:ext cx="7524328" cy="576064"/>
-          </a:xfrm>
-        </p:spPr>
-        <p:txBody>
-          <a:bodyPr/>
-          <a:lstStyle/>
-          <a:p>
-            <a:r>
-              <a:rPr lang="en-US" sz="4400" b="1" dirty="0" err="1" smtClean="0">
-                <a:solidFill>
-                  <a:schemeClr val="accent1">
-                    <a:lumMod val="75000"/>
-                  </a:schemeClr>
-                </a:solidFill>
-              </a:rPr>
-              <a:t>Hyperparameters</a:t>
-            </a:r>
-            <a:r>
-              <a:rPr lang="en-US" sz="4400" b="1" dirty="0" smtClean="0">
-                <a:solidFill>
-                  <a:schemeClr val="accent1">
-                    <a:lumMod val="75000"/>
-                  </a:schemeClr>
-                </a:solidFill>
-              </a:rPr>
-              <a:t>: </a:t>
-            </a:r>
-            <a:endParaRPr lang="en-US" sz="4400" b="1" dirty="0">
-              <a:solidFill>
-                <a:schemeClr val="accent1">
-                  <a:lumMod val="75000"/>
-                </a:schemeClr>
-              </a:solidFill>
-            </a:endParaRPr>
-          </a:p>
-        </p:txBody>
-      </p:sp>
-      <p:sp>
-        <p:nvSpPr>
-          <p:cNvPr id="8" name="TextBox 7">
-            <a:extLst>
-              <a:ext uri="{FF2B5EF4-FFF2-40B4-BE49-F238E27FC236}">
-                <a16:creationId xmlns:a16="http://schemas.microsoft.com/office/drawing/2014/main" id="{B11D784A-CC19-48DC-8B0F-18E4F660E2F1}"/>
-              </a:ext>
-            </a:extLst>
-          </p:cNvPr>
-          <p:cNvSpPr txBox="1"/>
-          <p:nvPr/>
-        </p:nvSpPr>
-        <p:spPr>
-          <a:xfrm>
-            <a:off x="1619672" y="1131590"/>
-            <a:ext cx="7128792" cy="3416320"/>
-          </a:xfrm>
-          <a:prstGeom prst="rect">
-            <a:avLst/>
-          </a:prstGeom>
-          <a:noFill/>
-        </p:spPr>
-        <p:txBody>
-          <a:bodyPr wrap="square" rtlCol="0">
-            <a:spAutoFit/>
-          </a:bodyPr>
-          <a:lstStyle/>
-          <a:p>
-            <a:pPr marL="285750" indent="-285750">
-              <a:buFont typeface="Arial" panose="020B0604020202020204" pitchFamily="34" charset="0"/>
-              <a:buChar char="•"/>
-            </a:pPr>
-            <a:r>
-              <a:rPr lang="en-US" b="1" dirty="0" err="1" smtClean="0">
-                <a:solidFill>
-                  <a:srgbClr val="00B0F0"/>
-                </a:solidFill>
-                <a:latin typeface="Courier New" panose="02070309020205020404" pitchFamily="49" charset="0"/>
-                <a:cs typeface="Courier New" panose="02070309020205020404" pitchFamily="49" charset="0"/>
-              </a:rPr>
-              <a:t>sequence_length</a:t>
-            </a:r>
-            <a:r>
-              <a:rPr lang="en-US" i="1" dirty="0" smtClean="0"/>
-              <a:t> </a:t>
-            </a:r>
-            <a:r>
-              <a:rPr lang="en-US" i="1" dirty="0"/>
-              <a:t>for the length of a sequence</a:t>
-            </a:r>
-          </a:p>
-          <a:p>
-            <a:pPr marL="285750" indent="-285750">
-              <a:buFont typeface="Arial" panose="020B0604020202020204" pitchFamily="34" charset="0"/>
-              <a:buChar char="•"/>
-            </a:pPr>
-            <a:r>
-              <a:rPr lang="en-US" b="1" dirty="0" err="1" smtClean="0">
-                <a:solidFill>
-                  <a:srgbClr val="00B0F0"/>
-                </a:solidFill>
-                <a:latin typeface="Courier New" panose="02070309020205020404" pitchFamily="49" charset="0"/>
-                <a:cs typeface="Courier New" panose="02070309020205020404" pitchFamily="49" charset="0"/>
-              </a:rPr>
-              <a:t>batch_size</a:t>
-            </a:r>
-            <a:r>
-              <a:rPr lang="en-US" i="1" dirty="0" smtClean="0"/>
-              <a:t> </a:t>
-            </a:r>
-            <a:r>
-              <a:rPr lang="en-US" i="1" dirty="0"/>
-              <a:t>for the batch size</a:t>
-            </a:r>
-          </a:p>
-          <a:p>
-            <a:pPr marL="285750" indent="-285750">
-              <a:buFont typeface="Arial" panose="020B0604020202020204" pitchFamily="34" charset="0"/>
-              <a:buChar char="•"/>
-            </a:pPr>
-            <a:r>
-              <a:rPr lang="en-US" b="1" dirty="0" err="1" smtClean="0">
-                <a:solidFill>
-                  <a:srgbClr val="00B0F0"/>
-                </a:solidFill>
-                <a:latin typeface="Courier New" panose="02070309020205020404" pitchFamily="49" charset="0"/>
-                <a:cs typeface="Courier New" panose="02070309020205020404" pitchFamily="49" charset="0"/>
-              </a:rPr>
-              <a:t>num_epochs</a:t>
-            </a:r>
-            <a:r>
-              <a:rPr lang="en-US" i="1" dirty="0" smtClean="0"/>
-              <a:t> </a:t>
-            </a:r>
-            <a:r>
-              <a:rPr lang="en-US" i="1" dirty="0"/>
-              <a:t>for the number of epochs to train for</a:t>
-            </a:r>
-          </a:p>
-          <a:p>
-            <a:pPr marL="285750" indent="-285750">
-              <a:buFont typeface="Arial" panose="020B0604020202020204" pitchFamily="34" charset="0"/>
-              <a:buChar char="•"/>
-            </a:pPr>
-            <a:r>
-              <a:rPr lang="en-US" b="1" dirty="0" err="1" smtClean="0">
-                <a:solidFill>
-                  <a:srgbClr val="00B0F0"/>
-                </a:solidFill>
-                <a:latin typeface="Courier New" panose="02070309020205020404" pitchFamily="49" charset="0"/>
-                <a:cs typeface="Courier New" panose="02070309020205020404" pitchFamily="49" charset="0"/>
-              </a:rPr>
-              <a:t>learning_rate</a:t>
-            </a:r>
-            <a:r>
-              <a:rPr lang="en-US" i="1" dirty="0" smtClean="0"/>
-              <a:t> </a:t>
-            </a:r>
-            <a:r>
-              <a:rPr lang="en-US" i="1" dirty="0"/>
-              <a:t>for the learning rate for Adam optimizer</a:t>
-            </a:r>
-          </a:p>
-          <a:p>
-            <a:pPr marL="285750" indent="-285750">
-              <a:buFont typeface="Arial" panose="020B0604020202020204" pitchFamily="34" charset="0"/>
-              <a:buChar char="•"/>
-            </a:pPr>
-            <a:r>
-              <a:rPr lang="en-US" b="1" dirty="0" err="1">
-                <a:solidFill>
-                  <a:srgbClr val="00B0F0"/>
-                </a:solidFill>
-                <a:latin typeface="Courier New" panose="02070309020205020404" pitchFamily="49" charset="0"/>
-                <a:cs typeface="Courier New" panose="02070309020205020404" pitchFamily="49" charset="0"/>
-              </a:rPr>
-              <a:t>vocab_size</a:t>
-            </a:r>
-            <a:r>
-              <a:rPr lang="en-US" i="1" dirty="0"/>
-              <a:t> for the number of unique tokens in our vocabulary</a:t>
-            </a:r>
-          </a:p>
-          <a:p>
-            <a:pPr marL="285750" indent="-285750">
-              <a:buFont typeface="Arial" panose="020B0604020202020204" pitchFamily="34" charset="0"/>
-              <a:buChar char="•"/>
-            </a:pPr>
-            <a:r>
-              <a:rPr lang="en-US" b="1" dirty="0" err="1">
-                <a:solidFill>
-                  <a:srgbClr val="00B0F0"/>
-                </a:solidFill>
-                <a:latin typeface="Courier New" panose="02070309020205020404" pitchFamily="49" charset="0"/>
-                <a:cs typeface="Courier New" panose="02070309020205020404" pitchFamily="49" charset="0"/>
-              </a:rPr>
-              <a:t>output_size</a:t>
-            </a:r>
-            <a:r>
-              <a:rPr lang="en-US" i="1" dirty="0"/>
-              <a:t> for the desired size of the output</a:t>
-            </a:r>
-          </a:p>
-          <a:p>
-            <a:pPr marL="285750" indent="-285750">
-              <a:buFont typeface="Arial" panose="020B0604020202020204" pitchFamily="34" charset="0"/>
-              <a:buChar char="•"/>
-            </a:pPr>
-            <a:r>
-              <a:rPr lang="en-US" b="1" dirty="0" err="1" smtClean="0">
-                <a:solidFill>
-                  <a:srgbClr val="00B0F0"/>
-                </a:solidFill>
-                <a:latin typeface="Courier New" panose="02070309020205020404" pitchFamily="49" charset="0"/>
-                <a:cs typeface="Courier New" panose="02070309020205020404" pitchFamily="49" charset="0"/>
-              </a:rPr>
-              <a:t>embedding_dim</a:t>
-            </a:r>
-            <a:r>
-              <a:rPr lang="en-US" i="1" dirty="0" smtClean="0"/>
-              <a:t> </a:t>
-            </a:r>
-            <a:r>
-              <a:rPr lang="en-US" i="1" dirty="0"/>
-              <a:t>for the embedding dimension, smaller than the </a:t>
-            </a:r>
-            <a:r>
-              <a:rPr lang="en-US" i="1" dirty="0" err="1"/>
-              <a:t>vocab_size</a:t>
-            </a:r>
-            <a:endParaRPr lang="en-US" i="1" dirty="0"/>
-          </a:p>
-          <a:p>
-            <a:pPr marL="285750" indent="-285750">
-              <a:buFont typeface="Arial" panose="020B0604020202020204" pitchFamily="34" charset="0"/>
-              <a:buChar char="•"/>
-            </a:pPr>
-            <a:r>
-              <a:rPr lang="en-US" b="1" dirty="0" err="1">
-                <a:solidFill>
-                  <a:srgbClr val="00B0F0"/>
-                </a:solidFill>
-                <a:latin typeface="Courier New" panose="02070309020205020404" pitchFamily="49" charset="0"/>
-                <a:cs typeface="Courier New" panose="02070309020205020404" pitchFamily="49" charset="0"/>
-              </a:rPr>
-              <a:t>hidden_dim</a:t>
-            </a:r>
-            <a:r>
-              <a:rPr lang="en-US" i="1" dirty="0"/>
-              <a:t> for the hidden dimension of RNN</a:t>
-            </a:r>
-          </a:p>
-          <a:p>
-            <a:pPr marL="285750" indent="-285750">
-              <a:buFont typeface="Arial" panose="020B0604020202020204" pitchFamily="34" charset="0"/>
-              <a:buChar char="•"/>
-            </a:pPr>
-            <a:r>
-              <a:rPr lang="en-US" b="1" dirty="0" err="1">
-                <a:solidFill>
-                  <a:srgbClr val="00B0F0"/>
-                </a:solidFill>
-                <a:latin typeface="Courier New" panose="02070309020205020404" pitchFamily="49" charset="0"/>
-                <a:cs typeface="Courier New" panose="02070309020205020404" pitchFamily="49" charset="0"/>
-              </a:rPr>
-              <a:t>n_layers</a:t>
-            </a:r>
-            <a:r>
-              <a:rPr lang="en-US" i="1" dirty="0"/>
-              <a:t> for the number of layers/cells in RNN</a:t>
-            </a:r>
-          </a:p>
-          <a:p>
-            <a:pPr marL="285750" indent="-285750">
-              <a:buFont typeface="Arial" panose="020B0604020202020204" pitchFamily="34" charset="0"/>
-              <a:buChar char="•"/>
-            </a:pPr>
-            <a:r>
-              <a:rPr lang="en-US" b="1" dirty="0" err="1">
-                <a:solidFill>
-                  <a:srgbClr val="00B0F0"/>
-                </a:solidFill>
-                <a:latin typeface="Courier New" panose="02070309020205020404" pitchFamily="49" charset="0"/>
-                <a:cs typeface="Courier New" panose="02070309020205020404" pitchFamily="49" charset="0"/>
-              </a:rPr>
-              <a:t>show_every_n_batches</a:t>
-            </a:r>
-            <a:r>
-              <a:rPr lang="en-US" i="1" dirty="0"/>
-              <a:t> for the number of batches at which </a:t>
-            </a:r>
-            <a:r>
-              <a:rPr lang="en-US" i="1" dirty="0" smtClean="0"/>
-              <a:t>    the </a:t>
-            </a:r>
-            <a:r>
-              <a:rPr lang="en-US" i="1" dirty="0"/>
-              <a:t>neural network should print progress</a:t>
-            </a:r>
-          </a:p>
-        </p:txBody>
-      </p:sp>
-    </p:spTree>
-    <p:extLst>
-      <p:ext uri="{BB962C8B-B14F-4D97-AF65-F5344CB8AC3E}">
-        <p14:creationId xmlns:p14="http://schemas.microsoft.com/office/powerpoint/2010/main" val="2843950419"/>
       </p:ext>
     </p:extLst>
   </p:cSld>
